--- a/Präsentation/SuperSort.pptx
+++ b/Präsentation/SuperSort.pptx
@@ -7,14 +7,15 @@
   <p:sldIdLst>
     <p:sldId id="256" r:id="rId2"/>
     <p:sldId id="257" r:id="rId3"/>
-    <p:sldId id="258" r:id="rId4"/>
-    <p:sldId id="259" r:id="rId5"/>
-    <p:sldId id="260" r:id="rId6"/>
-    <p:sldId id="263" r:id="rId7"/>
-    <p:sldId id="262" r:id="rId8"/>
-    <p:sldId id="261" r:id="rId9"/>
-    <p:sldId id="264" r:id="rId10"/>
-    <p:sldId id="265" r:id="rId11"/>
+    <p:sldId id="266" r:id="rId4"/>
+    <p:sldId id="258" r:id="rId5"/>
+    <p:sldId id="259" r:id="rId6"/>
+    <p:sldId id="260" r:id="rId7"/>
+    <p:sldId id="263" r:id="rId8"/>
+    <p:sldId id="262" r:id="rId9"/>
+    <p:sldId id="261" r:id="rId10"/>
+    <p:sldId id="264" r:id="rId11"/>
+    <p:sldId id="265" r:id="rId12"/>
   </p:sldIdLst>
   <p:sldSz cx="12192000" cy="6858000"/>
   <p:notesSz cx="6858000" cy="9144000"/>
@@ -113,6 +114,11 @@
       </a:defRPr>
     </a:lvl9pPr>
   </p:defaultTextStyle>
+  <p:extLst>
+    <p:ext uri="{EFAFB233-063F-42B5-8137-9DF3F51BA10A}">
+      <p15:sldGuideLst xmlns:p15="http://schemas.microsoft.com/office/powerpoint/2012/main"/>
+    </p:ext>
+  </p:extLst>
 </p:presentation>
 </file>
 
@@ -263,7 +269,7 @@
           <a:p>
             <a:fld id="{AEBCA739-919E-4F44-8D27-30D310F4C35C}" type="datetimeFigureOut">
               <a:rPr lang="de-DE" smtClean="0"/>
-              <a:t>03.05.2024</a:t>
+              <a:t>04.05.2024</a:t>
             </a:fld>
             <a:endParaRPr lang="de-DE"/>
           </a:p>
@@ -461,7 +467,7 @@
           <a:p>
             <a:fld id="{AEBCA739-919E-4F44-8D27-30D310F4C35C}" type="datetimeFigureOut">
               <a:rPr lang="de-DE" smtClean="0"/>
-              <a:t>03.05.2024</a:t>
+              <a:t>04.05.2024</a:t>
             </a:fld>
             <a:endParaRPr lang="de-DE"/>
           </a:p>
@@ -669,7 +675,7 @@
           <a:p>
             <a:fld id="{AEBCA739-919E-4F44-8D27-30D310F4C35C}" type="datetimeFigureOut">
               <a:rPr lang="de-DE" smtClean="0"/>
-              <a:t>03.05.2024</a:t>
+              <a:t>04.05.2024</a:t>
             </a:fld>
             <a:endParaRPr lang="de-DE"/>
           </a:p>
@@ -867,7 +873,7 @@
           <a:p>
             <a:fld id="{AEBCA739-919E-4F44-8D27-30D310F4C35C}" type="datetimeFigureOut">
               <a:rPr lang="de-DE" smtClean="0"/>
-              <a:t>03.05.2024</a:t>
+              <a:t>04.05.2024</a:t>
             </a:fld>
             <a:endParaRPr lang="de-DE"/>
           </a:p>
@@ -1142,7 +1148,7 @@
           <a:p>
             <a:fld id="{AEBCA739-919E-4F44-8D27-30D310F4C35C}" type="datetimeFigureOut">
               <a:rPr lang="de-DE" smtClean="0"/>
-              <a:t>03.05.2024</a:t>
+              <a:t>04.05.2024</a:t>
             </a:fld>
             <a:endParaRPr lang="de-DE"/>
           </a:p>
@@ -1407,7 +1413,7 @@
           <a:p>
             <a:fld id="{AEBCA739-919E-4F44-8D27-30D310F4C35C}" type="datetimeFigureOut">
               <a:rPr lang="de-DE" smtClean="0"/>
-              <a:t>03.05.2024</a:t>
+              <a:t>04.05.2024</a:t>
             </a:fld>
             <a:endParaRPr lang="de-DE"/>
           </a:p>
@@ -1819,7 +1825,7 @@
           <a:p>
             <a:fld id="{AEBCA739-919E-4F44-8D27-30D310F4C35C}" type="datetimeFigureOut">
               <a:rPr lang="de-DE" smtClean="0"/>
-              <a:t>03.05.2024</a:t>
+              <a:t>04.05.2024</a:t>
             </a:fld>
             <a:endParaRPr lang="de-DE"/>
           </a:p>
@@ -1960,7 +1966,7 @@
           <a:p>
             <a:fld id="{AEBCA739-919E-4F44-8D27-30D310F4C35C}" type="datetimeFigureOut">
               <a:rPr lang="de-DE" smtClean="0"/>
-              <a:t>03.05.2024</a:t>
+              <a:t>04.05.2024</a:t>
             </a:fld>
             <a:endParaRPr lang="de-DE"/>
           </a:p>
@@ -2073,7 +2079,7 @@
           <a:p>
             <a:fld id="{AEBCA739-919E-4F44-8D27-30D310F4C35C}" type="datetimeFigureOut">
               <a:rPr lang="de-DE" smtClean="0"/>
-              <a:t>03.05.2024</a:t>
+              <a:t>04.05.2024</a:t>
             </a:fld>
             <a:endParaRPr lang="de-DE"/>
           </a:p>
@@ -2384,7 +2390,7 @@
           <a:p>
             <a:fld id="{AEBCA739-919E-4F44-8D27-30D310F4C35C}" type="datetimeFigureOut">
               <a:rPr lang="de-DE" smtClean="0"/>
-              <a:t>03.05.2024</a:t>
+              <a:t>04.05.2024</a:t>
             </a:fld>
             <a:endParaRPr lang="de-DE"/>
           </a:p>
@@ -2672,7 +2678,7 @@
           <a:p>
             <a:fld id="{AEBCA739-919E-4F44-8D27-30D310F4C35C}" type="datetimeFigureOut">
               <a:rPr lang="de-DE" smtClean="0"/>
-              <a:t>03.05.2024</a:t>
+              <a:t>04.05.2024</a:t>
             </a:fld>
             <a:endParaRPr lang="de-DE"/>
           </a:p>
@@ -2942,7 +2948,7 @@
           <a:p>
             <a:fld id="{AEBCA739-919E-4F44-8D27-30D310F4C35C}" type="datetimeFigureOut">
               <a:rPr lang="de-DE" smtClean="0"/>
-              <a:t>03.05.2024</a:t>
+              <a:t>04.05.2024</a:t>
             </a:fld>
             <a:endParaRPr lang="de-DE"/>
           </a:p>
@@ -3515,6 +3521,426 @@
           <p:cNvPr id="2" name="Titel 1">
             <a:extLst>
               <a:ext uri="{FF2B5EF4-FFF2-40B4-BE49-F238E27FC236}">
+                <a16:creationId xmlns:a16="http://schemas.microsoft.com/office/drawing/2014/main" id="{E880CFA0-4959-E17A-DBD8-231B5D146E77}"/>
+              </a:ext>
+            </a:extLst>
+          </p:cNvPr>
+          <p:cNvSpPr>
+            <a:spLocks noGrp="1"/>
+          </p:cNvSpPr>
+          <p:nvPr>
+            <p:ph type="title"/>
+          </p:nvPr>
+        </p:nvSpPr>
+        <p:spPr/>
+        <p:txBody>
+          <a:bodyPr/>
+          <a:lstStyle/>
+          <a:p>
+            <a:pPr algn="ctr"/>
+            <a:r>
+              <a:rPr lang="de-DE" dirty="0"/>
+              <a:t>Aufwand</a:t>
+            </a:r>
+          </a:p>
+        </p:txBody>
+      </p:sp>
+      <p:graphicFrame>
+        <p:nvGraphicFramePr>
+          <p:cNvPr id="4" name="Tabelle 3">
+            <a:extLst>
+              <a:ext uri="{FF2B5EF4-FFF2-40B4-BE49-F238E27FC236}">
+                <a16:creationId xmlns:a16="http://schemas.microsoft.com/office/drawing/2014/main" id="{CADCDC86-37C7-97BB-358C-AC4B4FDA7CFB}"/>
+              </a:ext>
+            </a:extLst>
+          </p:cNvPr>
+          <p:cNvGraphicFramePr>
+            <a:graphicFrameLocks noGrp="1"/>
+          </p:cNvGraphicFramePr>
+          <p:nvPr>
+            <p:extLst>
+              <p:ext uri="{D42A27DB-BD31-4B8C-83A1-F6EECF244321}">
+                <p14:modId xmlns:p14="http://schemas.microsoft.com/office/powerpoint/2010/main" val="3247270097"/>
+              </p:ext>
+            </p:extLst>
+          </p:nvPr>
+        </p:nvGraphicFramePr>
+        <p:xfrm>
+          <a:off x="1409698" y="1690688"/>
+          <a:ext cx="9372603" cy="4242255"/>
+        </p:xfrm>
+        <a:graphic>
+          <a:graphicData uri="http://schemas.openxmlformats.org/drawingml/2006/table">
+            <a:tbl>
+              <a:tblPr firstRow="1" bandRow="1">
+                <a:tableStyleId>{5C22544A-7EE6-4342-B048-85BDC9FD1C3A}</a:tableStyleId>
+              </a:tblPr>
+              <a:tblGrid>
+                <a:gridCol w="2116033">
+                  <a:extLst>
+                    <a:ext uri="{9D8B030D-6E8A-4147-A177-3AD203B41FA5}">
+                      <a16:colId xmlns:a16="http://schemas.microsoft.com/office/drawing/2014/main" val="1802161498"/>
+                    </a:ext>
+                  </a:extLst>
+                </a:gridCol>
+                <a:gridCol w="2133964">
+                  <a:extLst>
+                    <a:ext uri="{9D8B030D-6E8A-4147-A177-3AD203B41FA5}">
+                      <a16:colId xmlns:a16="http://schemas.microsoft.com/office/drawing/2014/main" val="1269543500"/>
+                    </a:ext>
+                  </a:extLst>
+                </a:gridCol>
+                <a:gridCol w="2456748">
+                  <a:extLst>
+                    <a:ext uri="{9D8B030D-6E8A-4147-A177-3AD203B41FA5}">
+                      <a16:colId xmlns:a16="http://schemas.microsoft.com/office/drawing/2014/main" val="212369715"/>
+                    </a:ext>
+                  </a:extLst>
+                </a:gridCol>
+                <a:gridCol w="2665858">
+                  <a:extLst>
+                    <a:ext uri="{9D8B030D-6E8A-4147-A177-3AD203B41FA5}">
+                      <a16:colId xmlns:a16="http://schemas.microsoft.com/office/drawing/2014/main" val="4248164998"/>
+                    </a:ext>
+                  </a:extLst>
+                </a:gridCol>
+              </a:tblGrid>
+              <a:tr h="848451">
+                <a:tc>
+                  <a:txBody>
+                    <a:bodyPr/>
+                    <a:lstStyle/>
+                    <a:p>
+                      <a:pPr algn="ctr"/>
+                      <a:endParaRPr lang="de-DE" dirty="0"/>
+                    </a:p>
+                  </a:txBody>
+                  <a:tcPr anchor="ctr"/>
+                </a:tc>
+                <a:tc>
+                  <a:txBody>
+                    <a:bodyPr/>
+                    <a:lstStyle/>
+                    <a:p>
+                      <a:pPr algn="ctr"/>
+                      <a:r>
+                        <a:rPr lang="de-DE" dirty="0"/>
+                        <a:t>Konzeption</a:t>
+                      </a:r>
+                    </a:p>
+                  </a:txBody>
+                  <a:tcPr anchor="ctr"/>
+                </a:tc>
+                <a:tc>
+                  <a:txBody>
+                    <a:bodyPr/>
+                    <a:lstStyle/>
+                    <a:p>
+                      <a:pPr algn="ctr"/>
+                      <a:r>
+                        <a:rPr lang="de-DE" dirty="0"/>
+                        <a:t>Programmieren</a:t>
+                      </a:r>
+                    </a:p>
+                  </a:txBody>
+                  <a:tcPr anchor="ctr"/>
+                </a:tc>
+                <a:tc>
+                  <a:txBody>
+                    <a:bodyPr/>
+                    <a:lstStyle/>
+                    <a:p>
+                      <a:pPr algn="ctr"/>
+                      <a:r>
+                        <a:rPr lang="de-DE" dirty="0"/>
+                        <a:t>Präsentation</a:t>
+                      </a:r>
+                    </a:p>
+                  </a:txBody>
+                  <a:tcPr anchor="ctr"/>
+                </a:tc>
+                <a:extLst>
+                  <a:ext uri="{0D108BD9-81ED-4DB2-BD59-A6C34878D82A}">
+                    <a16:rowId xmlns:a16="http://schemas.microsoft.com/office/drawing/2014/main" val="1149703791"/>
+                  </a:ext>
+                </a:extLst>
+              </a:tr>
+              <a:tr h="848451">
+                <a:tc>
+                  <a:txBody>
+                    <a:bodyPr/>
+                    <a:lstStyle/>
+                    <a:p>
+                      <a:pPr algn="ctr"/>
+                      <a:r>
+                        <a:rPr lang="de-DE" dirty="0"/>
+                        <a:t>Adams</a:t>
+                      </a:r>
+                    </a:p>
+                  </a:txBody>
+                  <a:tcPr anchor="ctr"/>
+                </a:tc>
+                <a:tc>
+                  <a:txBody>
+                    <a:bodyPr/>
+                    <a:lstStyle/>
+                    <a:p>
+                      <a:pPr algn="ctr"/>
+                      <a:r>
+                        <a:rPr lang="de-DE" dirty="0"/>
+                        <a:t>½ h</a:t>
+                      </a:r>
+                    </a:p>
+                  </a:txBody>
+                  <a:tcPr anchor="ctr"/>
+                </a:tc>
+                <a:tc>
+                  <a:txBody>
+                    <a:bodyPr/>
+                    <a:lstStyle/>
+                    <a:p>
+                      <a:pPr algn="ctr"/>
+                      <a:r>
+                        <a:rPr lang="de-DE" dirty="0"/>
+                        <a:t>3 h</a:t>
+                      </a:r>
+                    </a:p>
+                  </a:txBody>
+                  <a:tcPr anchor="ctr"/>
+                </a:tc>
+                <a:tc>
+                  <a:txBody>
+                    <a:bodyPr/>
+                    <a:lstStyle/>
+                    <a:p>
+                      <a:pPr algn="ctr"/>
+                      <a:endParaRPr lang="de-DE" dirty="0"/>
+                    </a:p>
+                  </a:txBody>
+                  <a:tcPr anchor="ctr"/>
+                </a:tc>
+                <a:extLst>
+                  <a:ext uri="{0D108BD9-81ED-4DB2-BD59-A6C34878D82A}">
+                    <a16:rowId xmlns:a16="http://schemas.microsoft.com/office/drawing/2014/main" val="4187042066"/>
+                  </a:ext>
+                </a:extLst>
+              </a:tr>
+              <a:tr h="848451">
+                <a:tc>
+                  <a:txBody>
+                    <a:bodyPr/>
+                    <a:lstStyle/>
+                    <a:p>
+                      <a:pPr algn="ctr"/>
+                      <a:r>
+                        <a:rPr lang="de-DE" dirty="0"/>
+                        <a:t>Holländer</a:t>
+                      </a:r>
+                    </a:p>
+                  </a:txBody>
+                  <a:tcPr anchor="ctr"/>
+                </a:tc>
+                <a:tc>
+                  <a:txBody>
+                    <a:bodyPr/>
+                    <a:lstStyle/>
+                    <a:p>
+                      <a:pPr algn="ctr"/>
+                      <a:r>
+                        <a:rPr lang="de-DE" dirty="0"/>
+                        <a:t>1 h</a:t>
+                      </a:r>
+                    </a:p>
+                  </a:txBody>
+                  <a:tcPr anchor="ctr"/>
+                </a:tc>
+                <a:tc>
+                  <a:txBody>
+                    <a:bodyPr/>
+                    <a:lstStyle/>
+                    <a:p>
+                      <a:pPr algn="ctr"/>
+                      <a:r>
+                        <a:rPr lang="de-DE" dirty="0"/>
+                        <a:t>5 h</a:t>
+                      </a:r>
+                    </a:p>
+                  </a:txBody>
+                  <a:tcPr anchor="ctr"/>
+                </a:tc>
+                <a:tc>
+                  <a:txBody>
+                    <a:bodyPr/>
+                    <a:lstStyle/>
+                    <a:p>
+                      <a:pPr algn="ctr"/>
+                      <a:endParaRPr lang="de-DE" dirty="0"/>
+                    </a:p>
+                  </a:txBody>
+                  <a:tcPr anchor="ctr"/>
+                </a:tc>
+                <a:extLst>
+                  <a:ext uri="{0D108BD9-81ED-4DB2-BD59-A6C34878D82A}">
+                    <a16:rowId xmlns:a16="http://schemas.microsoft.com/office/drawing/2014/main" val="2226179483"/>
+                  </a:ext>
+                </a:extLst>
+              </a:tr>
+              <a:tr h="848451">
+                <a:tc>
+                  <a:txBody>
+                    <a:bodyPr/>
+                    <a:lstStyle/>
+                    <a:p>
+                      <a:pPr algn="ctr"/>
+                      <a:r>
+                        <a:rPr lang="de-DE" dirty="0"/>
+                        <a:t>Neumann</a:t>
+                      </a:r>
+                    </a:p>
+                  </a:txBody>
+                  <a:tcPr anchor="ctr"/>
+                </a:tc>
+                <a:tc>
+                  <a:txBody>
+                    <a:bodyPr/>
+                    <a:lstStyle/>
+                    <a:p>
+                      <a:pPr algn="ctr"/>
+                      <a:r>
+                        <a:rPr lang="de-DE" dirty="0"/>
+                        <a:t>½ h</a:t>
+                      </a:r>
+                    </a:p>
+                  </a:txBody>
+                  <a:tcPr anchor="ctr"/>
+                </a:tc>
+                <a:tc>
+                  <a:txBody>
+                    <a:bodyPr/>
+                    <a:lstStyle/>
+                    <a:p>
+                      <a:pPr algn="ctr"/>
+                      <a:r>
+                        <a:rPr lang="de-DE" dirty="0"/>
+                        <a:t>1 h</a:t>
+                      </a:r>
+                    </a:p>
+                  </a:txBody>
+                  <a:tcPr anchor="ctr"/>
+                </a:tc>
+                <a:tc>
+                  <a:txBody>
+                    <a:bodyPr/>
+                    <a:lstStyle/>
+                    <a:p>
+                      <a:pPr algn="ctr"/>
+                      <a:r>
+                        <a:rPr lang="de-DE" dirty="0"/>
+                        <a:t>1 h</a:t>
+                      </a:r>
+                    </a:p>
+                  </a:txBody>
+                  <a:tcPr anchor="ctr"/>
+                </a:tc>
+                <a:extLst>
+                  <a:ext uri="{0D108BD9-81ED-4DB2-BD59-A6C34878D82A}">
+                    <a16:rowId xmlns:a16="http://schemas.microsoft.com/office/drawing/2014/main" val="487755473"/>
+                  </a:ext>
+                </a:extLst>
+              </a:tr>
+              <a:tr h="848451">
+                <a:tc>
+                  <a:txBody>
+                    <a:bodyPr/>
+                    <a:lstStyle/>
+                    <a:p>
+                      <a:pPr algn="ctr"/>
+                      <a:r>
+                        <a:rPr lang="de-DE" dirty="0"/>
+                        <a:t>Gesamt</a:t>
+                      </a:r>
+                    </a:p>
+                  </a:txBody>
+                  <a:tcPr anchor="ctr"/>
+                </a:tc>
+                <a:tc>
+                  <a:txBody>
+                    <a:bodyPr/>
+                    <a:lstStyle/>
+                    <a:p>
+                      <a:pPr algn="ctr"/>
+                      <a:endParaRPr lang="de-DE" dirty="0"/>
+                    </a:p>
+                  </a:txBody>
+                  <a:tcPr anchor="ctr"/>
+                </a:tc>
+                <a:tc>
+                  <a:txBody>
+                    <a:bodyPr/>
+                    <a:lstStyle/>
+                    <a:p>
+                      <a:pPr algn="ctr"/>
+                      <a:endParaRPr lang="de-DE" dirty="0"/>
+                    </a:p>
+                  </a:txBody>
+                  <a:tcPr anchor="ctr"/>
+                </a:tc>
+                <a:tc>
+                  <a:txBody>
+                    <a:bodyPr/>
+                    <a:lstStyle/>
+                    <a:p>
+                      <a:pPr algn="ctr"/>
+                      <a:endParaRPr lang="de-DE" dirty="0"/>
+                    </a:p>
+                  </a:txBody>
+                  <a:tcPr anchor="ctr"/>
+                </a:tc>
+                <a:extLst>
+                  <a:ext uri="{0D108BD9-81ED-4DB2-BD59-A6C34878D82A}">
+                    <a16:rowId xmlns:a16="http://schemas.microsoft.com/office/drawing/2014/main" val="3531707629"/>
+                  </a:ext>
+                </a:extLst>
+              </a:tr>
+            </a:tbl>
+          </a:graphicData>
+        </a:graphic>
+      </p:graphicFrame>
+    </p:spTree>
+    <p:extLst>
+      <p:ext uri="{BB962C8B-B14F-4D97-AF65-F5344CB8AC3E}">
+        <p14:creationId xmlns:p14="http://schemas.microsoft.com/office/powerpoint/2010/main" val="2237427239"/>
+      </p:ext>
+    </p:extLst>
+  </p:cSld>
+  <p:clrMapOvr>
+    <a:masterClrMapping/>
+  </p:clrMapOvr>
+</p:sld>
+</file>
+
+<file path=ppt/slides/slide11.xml><?xml version="1.0" encoding="utf-8"?>
+<p:sld xmlns:a="http://schemas.openxmlformats.org/drawingml/2006/main" xmlns:r="http://schemas.openxmlformats.org/officeDocument/2006/relationships" xmlns:p="http://schemas.openxmlformats.org/presentationml/2006/main">
+  <p:cSld>
+    <p:spTree>
+      <p:nvGrpSpPr>
+        <p:cNvPr id="1" name=""/>
+        <p:cNvGrpSpPr/>
+        <p:nvPr/>
+      </p:nvGrpSpPr>
+      <p:grpSpPr>
+        <a:xfrm>
+          <a:off x="0" y="0"/>
+          <a:ext cx="0" cy="0"/>
+          <a:chOff x="0" y="0"/>
+          <a:chExt cx="0" cy="0"/>
+        </a:xfrm>
+      </p:grpSpPr>
+      <p:sp>
+        <p:nvSpPr>
+          <p:cNvPr id="2" name="Titel 1">
+            <a:extLst>
+              <a:ext uri="{FF2B5EF4-FFF2-40B4-BE49-F238E27FC236}">
                 <a16:creationId xmlns:a16="http://schemas.microsoft.com/office/drawing/2014/main" id="{DAC764CD-0B67-D1F8-FCBE-F1CEB986D7EE}"/>
               </a:ext>
             </a:extLst>
@@ -4123,7 +4549,7 @@
         </p:nvSpPr>
         <p:spPr>
           <a:xfrm>
-            <a:off x="4660900" y="979140"/>
+            <a:off x="514114" y="692096"/>
             <a:ext cx="10515600" cy="1325563"/>
           </a:xfrm>
         </p:spPr>
@@ -4131,6 +4557,15 @@
           <a:bodyPr/>
           <a:lstStyle/>
           <a:p>
+            <a:pPr algn="ctr"/>
+            <a:r>
+              <a:rPr lang="de-DE" dirty="0" err="1"/>
+              <a:t>UserStory</a:t>
+            </a:r>
+            <a:r>
+              <a:rPr lang="de-DE" dirty="0"/>
+              <a:t>: </a:t>
+            </a:r>
             <a:r>
               <a:rPr lang="de-DE" dirty="0" err="1"/>
               <a:t>SuperSort</a:t>
@@ -4662,7 +5097,7 @@
     </p:spTree>
     <p:extLst>
       <p:ext uri="{BB962C8B-B14F-4D97-AF65-F5344CB8AC3E}">
-        <p14:creationId xmlns:p14="http://schemas.microsoft.com/office/powerpoint/2010/main" val="1309545591"/>
+        <p14:creationId xmlns:p14="http://schemas.microsoft.com/office/powerpoint/2010/main" val="2125659329"/>
       </p:ext>
     </p:extLst>
   </p:cSld>
@@ -5623,6 +6058,1294 @@
 </file>
 
 <file path=ppt/slides/slide4.xml><?xml version="1.0" encoding="utf-8"?>
+<p:sld xmlns:a="http://schemas.openxmlformats.org/drawingml/2006/main" xmlns:r="http://schemas.openxmlformats.org/officeDocument/2006/relationships" xmlns:p="http://schemas.openxmlformats.org/presentationml/2006/main">
+  <p:cSld>
+    <p:spTree>
+      <p:nvGrpSpPr>
+        <p:cNvPr id="1" name=""/>
+        <p:cNvGrpSpPr/>
+        <p:nvPr/>
+      </p:nvGrpSpPr>
+      <p:grpSpPr>
+        <a:xfrm>
+          <a:off x="0" y="0"/>
+          <a:ext cx="0" cy="0"/>
+          <a:chOff x="0" y="0"/>
+          <a:chExt cx="0" cy="0"/>
+        </a:xfrm>
+      </p:grpSpPr>
+      <mc:AlternateContent xmlns:mc="http://schemas.openxmlformats.org/markup-compatibility/2006">
+        <mc:Choice xmlns:am3d="http://schemas.microsoft.com/office/drawing/2017/model3d" Requires="am3d">
+          <p:graphicFrame>
+            <p:nvGraphicFramePr>
+              <p:cNvPr id="13" name="3D-Modell 12" descr="Wolke">
+                <a:extLst>
+                  <a:ext uri="{FF2B5EF4-FFF2-40B4-BE49-F238E27FC236}">
+                    <a16:creationId xmlns:a16="http://schemas.microsoft.com/office/drawing/2014/main" id="{42D0C338-B7D1-91CC-99B1-DDAEED3E16B8}"/>
+                  </a:ext>
+                </a:extLst>
+              </p:cNvPr>
+              <p:cNvGraphicFramePr>
+                <a:graphicFrameLocks noChangeAspect="1"/>
+              </p:cNvGraphicFramePr>
+              <p:nvPr>
+                <p:extLst>
+                  <p:ext uri="{D42A27DB-BD31-4B8C-83A1-F6EECF244321}">
+                    <p14:modId xmlns:p14="http://schemas.microsoft.com/office/powerpoint/2010/main" val="1334782657"/>
+                  </p:ext>
+                </p:extLst>
+              </p:nvPr>
+            </p:nvGraphicFramePr>
+            <p:xfrm>
+              <a:off x="10390562" y="1279552"/>
+              <a:ext cx="3533020" cy="3666342"/>
+            </p:xfrm>
+            <a:graphic>
+              <a:graphicData uri="http://schemas.microsoft.com/office/drawing/2017/model3d">
+                <am3d:model3d r:embed="rId2">
+                  <am3d:spPr>
+                    <a:xfrm>
+                      <a:off x="0" y="0"/>
+                      <a:ext cx="3533020" cy="3666342"/>
+                    </a:xfrm>
+                    <a:prstGeom prst="rect">
+                      <a:avLst/>
+                    </a:prstGeom>
+                  </am3d:spPr>
+                  <am3d:camera>
+                    <am3d:pos x="0" y="0" z="65930006"/>
+                    <am3d:up dx="0" dy="36000000" dz="0"/>
+                    <am3d:lookAt x="0" y="0" z="0"/>
+                    <am3d:perspective fov="2700000"/>
+                  </am3d:camera>
+                  <am3d:trans>
+                    <am3d:meterPerModelUnit n="6072774" d="1000000"/>
+                    <am3d:preTrans dx="983301" dy="-9956585" dz="-601184"/>
+                    <am3d:scale>
+                      <am3d:sx n="1000000" d="1000000"/>
+                      <am3d:sy n="1000000" d="1000000"/>
+                      <am3d:sz n="1000000" d="1000000"/>
+                    </am3d:scale>
+                    <am3d:rot ax="1732910" ay="-2835776" az="-1323306"/>
+                    <am3d:postTrans dx="0" dy="0" dz="0"/>
+                  </am3d:trans>
+                  <am3d:raster rName="Office3DRenderer" rVer="16.0.8326">
+                    <am3d:blip r:embed="rId3"/>
+                  </am3d:raster>
+                  <am3d:objViewport viewportSz="5913761"/>
+                  <am3d:ambientLight>
+                    <am3d:clr>
+                      <a:scrgbClr r="50000" g="50000" b="50000"/>
+                    </am3d:clr>
+                    <am3d:illuminance n="500000" d="1000000"/>
+                  </am3d:ambientLight>
+                  <am3d:ptLight rad="0">
+                    <am3d:clr>
+                      <a:scrgbClr r="100000" g="75000" b="50000"/>
+                    </am3d:clr>
+                    <am3d:intensity n="9765625" d="1000000"/>
+                    <am3d:pos x="21959998" y="70920001" z="16344003"/>
+                  </am3d:ptLight>
+                  <am3d:ptLight rad="0">
+                    <am3d:clr>
+                      <a:scrgbClr r="40000" g="60000" b="95000"/>
+                    </am3d:clr>
+                    <am3d:intensity n="12250000" d="1000000"/>
+                    <am3d:pos x="-37964106" y="51130435" z="57631972"/>
+                  </am3d:ptLight>
+                  <am3d:ptLight rad="0">
+                    <am3d:clr>
+                      <a:scrgbClr r="86837" g="72700" b="100000"/>
+                    </am3d:clr>
+                    <am3d:intensity n="3125000" d="1000000"/>
+                    <am3d:pos x="-37739122" y="58056624" z="-34769649"/>
+                  </am3d:ptLight>
+                </am3d:model3d>
+              </a:graphicData>
+            </a:graphic>
+          </p:graphicFrame>
+        </mc:Choice>
+        <mc:Fallback>
+          <p:pic>
+            <p:nvPicPr>
+              <p:cNvPr id="13" name="3D-Modell 12" descr="Wolke">
+                <a:extLst>
+                  <a:ext uri="{FF2B5EF4-FFF2-40B4-BE49-F238E27FC236}">
+                    <a16:creationId xmlns:a16="http://schemas.microsoft.com/office/drawing/2014/main" id="{42D0C338-B7D1-91CC-99B1-DDAEED3E16B8}"/>
+                  </a:ext>
+                </a:extLst>
+              </p:cNvPr>
+              <p:cNvPicPr>
+                <a:picLocks noGrp="1" noRot="1" noChangeAspect="1" noMove="1" noResize="1" noEditPoints="1" noAdjustHandles="1" noChangeArrowheads="1" noChangeShapeType="1" noCrop="1"/>
+              </p:cNvPicPr>
+              <p:nvPr/>
+            </p:nvPicPr>
+            <p:blipFill>
+              <a:blip r:embed="rId3"/>
+              <a:stretch>
+                <a:fillRect/>
+              </a:stretch>
+            </p:blipFill>
+            <p:spPr>
+              <a:xfrm>
+                <a:off x="10390562" y="1279552"/>
+                <a:ext cx="3533020" cy="3666342"/>
+              </a:xfrm>
+              <a:prstGeom prst="rect">
+                <a:avLst/>
+              </a:prstGeom>
+            </p:spPr>
+          </p:pic>
+        </mc:Fallback>
+      </mc:AlternateContent>
+      <p:sp>
+        <p:nvSpPr>
+          <p:cNvPr id="2" name="Titel 1">
+            <a:extLst>
+              <a:ext uri="{FF2B5EF4-FFF2-40B4-BE49-F238E27FC236}">
+                <a16:creationId xmlns:a16="http://schemas.microsoft.com/office/drawing/2014/main" id="{58E5DFA8-70FB-870C-D97B-5757F0B4A085}"/>
+              </a:ext>
+            </a:extLst>
+          </p:cNvPr>
+          <p:cNvSpPr>
+            <a:spLocks noGrp="1"/>
+          </p:cNvSpPr>
+          <p:nvPr>
+            <p:ph type="title"/>
+          </p:nvPr>
+        </p:nvSpPr>
+        <p:spPr>
+          <a:xfrm>
+            <a:off x="838200" y="220984"/>
+            <a:ext cx="10515600" cy="1325563"/>
+          </a:xfrm>
+        </p:spPr>
+        <p:txBody>
+          <a:bodyPr/>
+          <a:lstStyle/>
+          <a:p>
+            <a:pPr algn="ctr"/>
+            <a:r>
+              <a:rPr lang="de-DE" dirty="0" err="1"/>
+              <a:t>UserStory</a:t>
+            </a:r>
+            <a:r>
+              <a:rPr lang="de-DE" dirty="0"/>
+              <a:t>: </a:t>
+            </a:r>
+            <a:r>
+              <a:rPr lang="de-DE" dirty="0" err="1"/>
+              <a:t>SuperSort</a:t>
+            </a:r>
+            <a:endParaRPr lang="de-DE" dirty="0"/>
+          </a:p>
+        </p:txBody>
+      </p:sp>
+      <p:pic>
+        <p:nvPicPr>
+          <p:cNvPr id="18" name="Grafik 17">
+            <a:extLst>
+              <a:ext uri="{FF2B5EF4-FFF2-40B4-BE49-F238E27FC236}">
+                <a16:creationId xmlns:a16="http://schemas.microsoft.com/office/drawing/2014/main" id="{746B2AF1-EECC-77C4-841C-0044E32152B1}"/>
+              </a:ext>
+            </a:extLst>
+          </p:cNvPr>
+          <p:cNvPicPr>
+            <a:picLocks noChangeAspect="1"/>
+          </p:cNvPicPr>
+          <p:nvPr/>
+        </p:nvPicPr>
+        <p:blipFill>
+          <a:blip r:embed="rId4">
+            <a:extLst>
+              <a:ext uri="{28A0092B-C50C-407E-A947-70E740481C1C}">
+                <a14:useLocalDpi xmlns:a14="http://schemas.microsoft.com/office/drawing/2010/main" val="0"/>
+              </a:ext>
+            </a:extLst>
+          </a:blip>
+          <a:stretch>
+            <a:fillRect/>
+          </a:stretch>
+        </p:blipFill>
+        <p:spPr>
+          <a:xfrm>
+            <a:off x="-31492" y="2167760"/>
+            <a:ext cx="1361283" cy="1361283"/>
+          </a:xfrm>
+          <a:prstGeom prst="rect">
+            <a:avLst/>
+          </a:prstGeom>
+        </p:spPr>
+      </p:pic>
+      <p:pic>
+        <p:nvPicPr>
+          <p:cNvPr id="22" name="Grafik 21">
+            <a:extLst>
+              <a:ext uri="{FF2B5EF4-FFF2-40B4-BE49-F238E27FC236}">
+                <a16:creationId xmlns:a16="http://schemas.microsoft.com/office/drawing/2014/main" id="{F8813E58-9DCF-F947-BC03-E0CD61C156A2}"/>
+              </a:ext>
+            </a:extLst>
+          </p:cNvPr>
+          <p:cNvPicPr>
+            <a:picLocks noChangeAspect="1"/>
+          </p:cNvPicPr>
+          <p:nvPr/>
+        </p:nvPicPr>
+        <p:blipFill>
+          <a:blip r:embed="rId5">
+            <a:extLst>
+              <a:ext uri="{28A0092B-C50C-407E-A947-70E740481C1C}">
+                <a14:useLocalDpi xmlns:a14="http://schemas.microsoft.com/office/drawing/2010/main" val="0"/>
+              </a:ext>
+            </a:extLst>
+          </a:blip>
+          <a:stretch>
+            <a:fillRect/>
+          </a:stretch>
+        </p:blipFill>
+        <p:spPr>
+          <a:xfrm>
+            <a:off x="285590" y="3670834"/>
+            <a:ext cx="1361283" cy="1361283"/>
+          </a:xfrm>
+          <a:prstGeom prst="rect">
+            <a:avLst/>
+          </a:prstGeom>
+        </p:spPr>
+      </p:pic>
+      <p:pic>
+        <p:nvPicPr>
+          <p:cNvPr id="24" name="Grafik 23">
+            <a:extLst>
+              <a:ext uri="{FF2B5EF4-FFF2-40B4-BE49-F238E27FC236}">
+                <a16:creationId xmlns:a16="http://schemas.microsoft.com/office/drawing/2014/main" id="{6C991B1B-CA95-4018-5298-136FFC384251}"/>
+              </a:ext>
+            </a:extLst>
+          </p:cNvPr>
+          <p:cNvPicPr>
+            <a:picLocks noChangeAspect="1"/>
+          </p:cNvPicPr>
+          <p:nvPr/>
+        </p:nvPicPr>
+        <p:blipFill>
+          <a:blip r:embed="rId6">
+            <a:extLst>
+              <a:ext uri="{28A0092B-C50C-407E-A947-70E740481C1C}">
+                <a14:useLocalDpi xmlns:a14="http://schemas.microsoft.com/office/drawing/2010/main" val="0"/>
+              </a:ext>
+            </a:extLst>
+          </a:blip>
+          <a:stretch>
+            <a:fillRect/>
+          </a:stretch>
+        </p:blipFill>
+        <p:spPr>
+          <a:xfrm rot="16200000">
+            <a:off x="6557868" y="1869361"/>
+            <a:ext cx="3411476" cy="3642629"/>
+          </a:xfrm>
+          <a:prstGeom prst="rect">
+            <a:avLst/>
+          </a:prstGeom>
+        </p:spPr>
+      </p:pic>
+      <p:pic>
+        <p:nvPicPr>
+          <p:cNvPr id="26" name="Grafik 25">
+            <a:extLst>
+              <a:ext uri="{FF2B5EF4-FFF2-40B4-BE49-F238E27FC236}">
+                <a16:creationId xmlns:a16="http://schemas.microsoft.com/office/drawing/2014/main" id="{A17C2DCA-4C5A-4092-B4C6-7E1B4421EB8F}"/>
+              </a:ext>
+            </a:extLst>
+          </p:cNvPr>
+          <p:cNvPicPr>
+            <a:picLocks noChangeAspect="1"/>
+          </p:cNvPicPr>
+          <p:nvPr/>
+        </p:nvPicPr>
+        <p:blipFill>
+          <a:blip r:embed="rId7">
+            <a:extLst>
+              <a:ext uri="{28A0092B-C50C-407E-A947-70E740481C1C}">
+                <a14:useLocalDpi xmlns:a14="http://schemas.microsoft.com/office/drawing/2010/main" val="0"/>
+              </a:ext>
+            </a:extLst>
+          </a:blip>
+          <a:stretch>
+            <a:fillRect/>
+          </a:stretch>
+        </p:blipFill>
+        <p:spPr>
+          <a:xfrm>
+            <a:off x="542668" y="5254012"/>
+            <a:ext cx="1361283" cy="1361283"/>
+          </a:xfrm>
+          <a:prstGeom prst="rect">
+            <a:avLst/>
+          </a:prstGeom>
+        </p:spPr>
+      </p:pic>
+      <p:pic>
+        <p:nvPicPr>
+          <p:cNvPr id="28" name="Grafik 27">
+            <a:extLst>
+              <a:ext uri="{FF2B5EF4-FFF2-40B4-BE49-F238E27FC236}">
+                <a16:creationId xmlns:a16="http://schemas.microsoft.com/office/drawing/2014/main" id="{3A6D1C8A-C72F-78F0-1669-F4497EBC0D07}"/>
+              </a:ext>
+            </a:extLst>
+          </p:cNvPr>
+          <p:cNvPicPr>
+            <a:picLocks noChangeAspect="1"/>
+          </p:cNvPicPr>
+          <p:nvPr/>
+        </p:nvPicPr>
+        <p:blipFill>
+          <a:blip r:embed="rId8">
+            <a:extLst>
+              <a:ext uri="{28A0092B-C50C-407E-A947-70E740481C1C}">
+                <a14:useLocalDpi xmlns:a14="http://schemas.microsoft.com/office/drawing/2010/main" val="0"/>
+              </a:ext>
+            </a:extLst>
+          </a:blip>
+          <a:stretch>
+            <a:fillRect/>
+          </a:stretch>
+        </p:blipFill>
+        <p:spPr>
+          <a:xfrm>
+            <a:off x="1717411" y="4627427"/>
+            <a:ext cx="1361284" cy="1361284"/>
+          </a:xfrm>
+          <a:prstGeom prst="rect">
+            <a:avLst/>
+          </a:prstGeom>
+        </p:spPr>
+      </p:pic>
+      <p:pic>
+        <p:nvPicPr>
+          <p:cNvPr id="33" name="Grafik 32">
+            <a:extLst>
+              <a:ext uri="{FF2B5EF4-FFF2-40B4-BE49-F238E27FC236}">
+                <a16:creationId xmlns:a16="http://schemas.microsoft.com/office/drawing/2014/main" id="{2304E4EF-6908-8EE0-7A88-CEEABE635A63}"/>
+              </a:ext>
+            </a:extLst>
+          </p:cNvPr>
+          <p:cNvPicPr>
+            <a:picLocks noChangeAspect="1"/>
+          </p:cNvPicPr>
+          <p:nvPr/>
+        </p:nvPicPr>
+        <p:blipFill>
+          <a:blip r:embed="rId9">
+            <a:extLst>
+              <a:ext uri="{28A0092B-C50C-407E-A947-70E740481C1C}">
+                <a14:useLocalDpi xmlns:a14="http://schemas.microsoft.com/office/drawing/2010/main" val="0"/>
+              </a:ext>
+            </a:extLst>
+          </a:blip>
+          <a:stretch>
+            <a:fillRect/>
+          </a:stretch>
+        </p:blipFill>
+        <p:spPr>
+          <a:xfrm>
+            <a:off x="2588129" y="243861"/>
+            <a:ext cx="1361283" cy="1361283"/>
+          </a:xfrm>
+          <a:prstGeom prst="rect">
+            <a:avLst/>
+          </a:prstGeom>
+        </p:spPr>
+      </p:pic>
+      <p:pic>
+        <p:nvPicPr>
+          <p:cNvPr id="3" name="Grafik 2">
+            <a:extLst>
+              <a:ext uri="{FF2B5EF4-FFF2-40B4-BE49-F238E27FC236}">
+                <a16:creationId xmlns:a16="http://schemas.microsoft.com/office/drawing/2014/main" id="{31B8A114-170E-23AA-9752-B2DD49A66046}"/>
+              </a:ext>
+            </a:extLst>
+          </p:cNvPr>
+          <p:cNvPicPr>
+            <a:picLocks noChangeAspect="1"/>
+          </p:cNvPicPr>
+          <p:nvPr/>
+        </p:nvPicPr>
+        <p:blipFill>
+          <a:blip r:embed="rId5">
+            <a:extLst>
+              <a:ext uri="{28A0092B-C50C-407E-A947-70E740481C1C}">
+                <a14:useLocalDpi xmlns:a14="http://schemas.microsoft.com/office/drawing/2010/main" val="0"/>
+              </a:ext>
+            </a:extLst>
+          </a:blip>
+          <a:stretch>
+            <a:fillRect/>
+          </a:stretch>
+        </p:blipFill>
+        <p:spPr>
+          <a:xfrm>
+            <a:off x="1393090" y="95813"/>
+            <a:ext cx="1361283" cy="1361283"/>
+          </a:xfrm>
+          <a:prstGeom prst="rect">
+            <a:avLst/>
+          </a:prstGeom>
+        </p:spPr>
+      </p:pic>
+      <p:pic>
+        <p:nvPicPr>
+          <p:cNvPr id="4" name="Grafik 3">
+            <a:extLst>
+              <a:ext uri="{FF2B5EF4-FFF2-40B4-BE49-F238E27FC236}">
+                <a16:creationId xmlns:a16="http://schemas.microsoft.com/office/drawing/2014/main" id="{42306849-5D12-0DA9-EA27-C9EE31E1AF55}"/>
+              </a:ext>
+            </a:extLst>
+          </p:cNvPr>
+          <p:cNvPicPr>
+            <a:picLocks noChangeAspect="1"/>
+          </p:cNvPicPr>
+          <p:nvPr/>
+        </p:nvPicPr>
+        <p:blipFill>
+          <a:blip r:embed="rId7">
+            <a:extLst>
+              <a:ext uri="{28A0092B-C50C-407E-A947-70E740481C1C}">
+                <a14:useLocalDpi xmlns:a14="http://schemas.microsoft.com/office/drawing/2010/main" val="0"/>
+              </a:ext>
+            </a:extLst>
+          </a:blip>
+          <a:stretch>
+            <a:fillRect/>
+          </a:stretch>
+        </p:blipFill>
+        <p:spPr>
+          <a:xfrm>
+            <a:off x="1393090" y="3112723"/>
+            <a:ext cx="1361283" cy="1361283"/>
+          </a:xfrm>
+          <a:prstGeom prst="rect">
+            <a:avLst/>
+          </a:prstGeom>
+        </p:spPr>
+      </p:pic>
+      <p:pic>
+        <p:nvPicPr>
+          <p:cNvPr id="5" name="Grafik 4">
+            <a:extLst>
+              <a:ext uri="{FF2B5EF4-FFF2-40B4-BE49-F238E27FC236}">
+                <a16:creationId xmlns:a16="http://schemas.microsoft.com/office/drawing/2014/main" id="{6CDE5F9F-6FF1-01D8-65A5-9A8BC0F4DE44}"/>
+              </a:ext>
+            </a:extLst>
+          </p:cNvPr>
+          <p:cNvPicPr>
+            <a:picLocks noChangeAspect="1"/>
+          </p:cNvPicPr>
+          <p:nvPr/>
+        </p:nvPicPr>
+        <p:blipFill>
+          <a:blip r:embed="rId8">
+            <a:extLst>
+              <a:ext uri="{28A0092B-C50C-407E-A947-70E740481C1C}">
+                <a14:useLocalDpi xmlns:a14="http://schemas.microsoft.com/office/drawing/2010/main" val="0"/>
+              </a:ext>
+            </a:extLst>
+          </a:blip>
+          <a:stretch>
+            <a:fillRect/>
+          </a:stretch>
+        </p:blipFill>
+        <p:spPr>
+          <a:xfrm>
+            <a:off x="1397614" y="1598018"/>
+            <a:ext cx="1361284" cy="1361284"/>
+          </a:xfrm>
+          <a:prstGeom prst="rect">
+            <a:avLst/>
+          </a:prstGeom>
+        </p:spPr>
+      </p:pic>
+      <p:pic>
+        <p:nvPicPr>
+          <p:cNvPr id="6" name="Grafik 5">
+            <a:extLst>
+              <a:ext uri="{FF2B5EF4-FFF2-40B4-BE49-F238E27FC236}">
+                <a16:creationId xmlns:a16="http://schemas.microsoft.com/office/drawing/2014/main" id="{8EE6B4CA-B001-8D53-C8CE-C6A7B8F95933}"/>
+              </a:ext>
+            </a:extLst>
+          </p:cNvPr>
+          <p:cNvPicPr>
+            <a:picLocks noChangeAspect="1"/>
+          </p:cNvPicPr>
+          <p:nvPr/>
+        </p:nvPicPr>
+        <p:blipFill>
+          <a:blip r:embed="rId9">
+            <a:extLst>
+              <a:ext uri="{28A0092B-C50C-407E-A947-70E740481C1C}">
+                <a14:useLocalDpi xmlns:a14="http://schemas.microsoft.com/office/drawing/2010/main" val="0"/>
+              </a:ext>
+            </a:extLst>
+          </a:blip>
+          <a:stretch>
+            <a:fillRect/>
+          </a:stretch>
+        </p:blipFill>
+        <p:spPr>
+          <a:xfrm>
+            <a:off x="34928" y="653924"/>
+            <a:ext cx="1361283" cy="1361283"/>
+          </a:xfrm>
+          <a:prstGeom prst="rect">
+            <a:avLst/>
+          </a:prstGeom>
+        </p:spPr>
+      </p:pic>
+      <p:pic>
+        <p:nvPicPr>
+          <p:cNvPr id="7" name="Grafik 6">
+            <a:extLst>
+              <a:ext uri="{FF2B5EF4-FFF2-40B4-BE49-F238E27FC236}">
+                <a16:creationId xmlns:a16="http://schemas.microsoft.com/office/drawing/2014/main" id="{93AAFE6D-E269-0114-B396-F881ABDCB87F}"/>
+              </a:ext>
+            </a:extLst>
+          </p:cNvPr>
+          <p:cNvPicPr>
+            <a:picLocks noChangeAspect="1"/>
+          </p:cNvPicPr>
+          <p:nvPr/>
+        </p:nvPicPr>
+        <p:blipFill>
+          <a:blip r:embed="rId4">
+            <a:extLst>
+              <a:ext uri="{28A0092B-C50C-407E-A947-70E740481C1C}">
+                <a14:useLocalDpi xmlns:a14="http://schemas.microsoft.com/office/drawing/2010/main" val="0"/>
+              </a:ext>
+            </a:extLst>
+          </a:blip>
+          <a:stretch>
+            <a:fillRect/>
+          </a:stretch>
+        </p:blipFill>
+        <p:spPr>
+          <a:xfrm>
+            <a:off x="2832257" y="5065818"/>
+            <a:ext cx="1361283" cy="1361283"/>
+          </a:xfrm>
+          <a:prstGeom prst="rect">
+            <a:avLst/>
+          </a:prstGeom>
+        </p:spPr>
+      </p:pic>
+      <p:pic>
+        <p:nvPicPr>
+          <p:cNvPr id="8" name="Grafik 7">
+            <a:extLst>
+              <a:ext uri="{FF2B5EF4-FFF2-40B4-BE49-F238E27FC236}">
+                <a16:creationId xmlns:a16="http://schemas.microsoft.com/office/drawing/2014/main" id="{A0970CE7-CB3D-C1F9-BE71-3FBD68845B88}"/>
+              </a:ext>
+            </a:extLst>
+          </p:cNvPr>
+          <p:cNvPicPr>
+            <a:picLocks noChangeAspect="1"/>
+          </p:cNvPicPr>
+          <p:nvPr/>
+        </p:nvPicPr>
+        <p:blipFill>
+          <a:blip r:embed="rId5">
+            <a:extLst>
+              <a:ext uri="{28A0092B-C50C-407E-A947-70E740481C1C}">
+                <a14:useLocalDpi xmlns:a14="http://schemas.microsoft.com/office/drawing/2010/main" val="0"/>
+              </a:ext>
+            </a:extLst>
+          </a:blip>
+          <a:stretch>
+            <a:fillRect/>
+          </a:stretch>
+        </p:blipFill>
+        <p:spPr>
+          <a:xfrm>
+            <a:off x="2617571" y="1758565"/>
+            <a:ext cx="1361283" cy="1361283"/>
+          </a:xfrm>
+          <a:prstGeom prst="rect">
+            <a:avLst/>
+          </a:prstGeom>
+        </p:spPr>
+      </p:pic>
+      <p:pic>
+        <p:nvPicPr>
+          <p:cNvPr id="9" name="Grafik 8">
+            <a:extLst>
+              <a:ext uri="{FF2B5EF4-FFF2-40B4-BE49-F238E27FC236}">
+                <a16:creationId xmlns:a16="http://schemas.microsoft.com/office/drawing/2014/main" id="{1009E213-4ECE-D235-6FE5-9619BE7D81B9}"/>
+              </a:ext>
+            </a:extLst>
+          </p:cNvPr>
+          <p:cNvPicPr>
+            <a:picLocks noChangeAspect="1"/>
+          </p:cNvPicPr>
+          <p:nvPr/>
+        </p:nvPicPr>
+        <p:blipFill>
+          <a:blip r:embed="rId9">
+            <a:extLst>
+              <a:ext uri="{28A0092B-C50C-407E-A947-70E740481C1C}">
+                <a14:useLocalDpi xmlns:a14="http://schemas.microsoft.com/office/drawing/2010/main" val="0"/>
+              </a:ext>
+            </a:extLst>
+          </a:blip>
+          <a:stretch>
+            <a:fillRect/>
+          </a:stretch>
+        </p:blipFill>
+        <p:spPr>
+          <a:xfrm>
+            <a:off x="2588130" y="3119848"/>
+            <a:ext cx="1361283" cy="1361283"/>
+          </a:xfrm>
+          <a:prstGeom prst="rect">
+            <a:avLst/>
+          </a:prstGeom>
+        </p:spPr>
+      </p:pic>
+      <p:sp>
+        <p:nvSpPr>
+          <p:cNvPr id="17" name="Textfeld 16">
+            <a:extLst>
+              <a:ext uri="{FF2B5EF4-FFF2-40B4-BE49-F238E27FC236}">
+                <a16:creationId xmlns:a16="http://schemas.microsoft.com/office/drawing/2014/main" id="{AC555B0D-A790-D51A-BF2F-9CD323E0DDC1}"/>
+              </a:ext>
+            </a:extLst>
+          </p:cNvPr>
+          <p:cNvSpPr txBox="1"/>
+          <p:nvPr/>
+        </p:nvSpPr>
+        <p:spPr>
+          <a:xfrm rot="3032408">
+            <a:off x="10833276" y="3410429"/>
+            <a:ext cx="1495602" cy="369332"/>
+          </a:xfrm>
+          <a:prstGeom prst="rect">
+            <a:avLst/>
+          </a:prstGeom>
+          <a:noFill/>
+        </p:spPr>
+        <p:txBody>
+          <a:bodyPr wrap="none" rtlCol="0">
+            <a:spAutoFit/>
+          </a:bodyPr>
+          <a:lstStyle/>
+          <a:p>
+            <a:r>
+              <a:rPr lang="de-DE" dirty="0"/>
+              <a:t>Datenstruktur</a:t>
+            </a:r>
+          </a:p>
+        </p:txBody>
+      </p:sp>
+    </p:spTree>
+    <p:extLst>
+      <p:ext uri="{BB962C8B-B14F-4D97-AF65-F5344CB8AC3E}">
+        <p14:creationId xmlns:p14="http://schemas.microsoft.com/office/powerpoint/2010/main" val="1309545591"/>
+      </p:ext>
+    </p:extLst>
+  </p:cSld>
+  <p:clrMapOvr>
+    <a:masterClrMapping/>
+  </p:clrMapOvr>
+  <p:timing>
+    <p:tnLst>
+      <p:par>
+        <p:cTn id="1" dur="indefinite" restart="never" nodeType="tmRoot">
+          <p:childTnLst>
+            <p:seq concurrent="1" nextAc="seek">
+              <p:cTn id="2" dur="indefinite" nodeType="mainSeq">
+                <p:childTnLst>
+                  <p:par>
+                    <p:cTn id="3" fill="hold">
+                      <p:stCondLst>
+                        <p:cond delay="indefinite"/>
+                        <p:cond evt="onBegin" delay="0">
+                          <p:tn val="2"/>
+                        </p:cond>
+                      </p:stCondLst>
+                      <p:childTnLst>
+                        <p:par>
+                          <p:cTn id="4" fill="hold">
+                            <p:stCondLst>
+                              <p:cond delay="0"/>
+                            </p:stCondLst>
+                            <p:childTnLst>
+                              <p:par>
+                                <p:cTn id="5" presetID="42" presetClass="path" presetSubtype="0" accel="50000" decel="50000" fill="hold" nodeType="withEffect">
+                                  <p:stCondLst>
+                                    <p:cond delay="0"/>
+                                  </p:stCondLst>
+                                  <p:childTnLst>
+                                    <p:animMotion origin="layout" path="M -0.00209 0.00139 L 0.53997 0.10672 " pathEditMode="relative" rAng="0" ptsTypes="AA">
+                                      <p:cBhvr>
+                                        <p:cTn id="6" dur="2000" fill="hold"/>
+                                        <p:tgtEl>
+                                          <p:spTgt spid="18"/>
+                                        </p:tgtEl>
+                                        <p:attrNameLst>
+                                          <p:attrName>ppt_x</p:attrName>
+                                          <p:attrName>ppt_y</p:attrName>
+                                        </p:attrNameLst>
+                                      </p:cBhvr>
+                                      <p:rCtr x="26914" y="5301"/>
+                                    </p:animMotion>
+                                  </p:childTnLst>
+                                </p:cTn>
+                              </p:par>
+                              <p:par>
+                                <p:cTn id="7" presetID="42" presetClass="path" presetSubtype="0" accel="50000" decel="50000" fill="hold" nodeType="withEffect">
+                                  <p:stCondLst>
+                                    <p:cond delay="0"/>
+                                  </p:stCondLst>
+                                  <p:childTnLst>
+                                    <p:animMotion origin="layout" path="M -0.00209 0.00139 L 0.51407 -0.1125 " pathEditMode="relative" rAng="0" ptsTypes="AA">
+                                      <p:cBhvr>
+                                        <p:cTn id="8" dur="2000" fill="hold"/>
+                                        <p:tgtEl>
+                                          <p:spTgt spid="22"/>
+                                        </p:tgtEl>
+                                        <p:attrNameLst>
+                                          <p:attrName>ppt_x</p:attrName>
+                                          <p:attrName>ppt_y</p:attrName>
+                                        </p:attrNameLst>
+                                      </p:cBhvr>
+                                      <p:rCtr x="25729" y="-5972"/>
+                                    </p:animMotion>
+                                  </p:childTnLst>
+                                </p:cTn>
+                              </p:par>
+                              <p:par>
+                                <p:cTn id="9" presetID="42" presetClass="path" presetSubtype="0" accel="50000" decel="50000" fill="hold" nodeType="withEffect">
+                                  <p:stCondLst>
+                                    <p:cond delay="0"/>
+                                  </p:stCondLst>
+                                  <p:childTnLst>
+                                    <p:animMotion origin="layout" path="M -0.00208 0.00139 L 0.32513 0.38727 " pathEditMode="relative" rAng="0" ptsTypes="AA">
+                                      <p:cBhvr>
+                                        <p:cTn id="10" dur="2000" fill="hold"/>
+                                        <p:tgtEl>
+                                          <p:spTgt spid="33"/>
+                                        </p:tgtEl>
+                                        <p:attrNameLst>
+                                          <p:attrName>ppt_x</p:attrName>
+                                          <p:attrName>ppt_y</p:attrName>
+                                        </p:attrNameLst>
+                                      </p:cBhvr>
+                                      <p:rCtr x="16341" y="19329"/>
+                                    </p:animMotion>
+                                  </p:childTnLst>
+                                </p:cTn>
+                              </p:par>
+                              <p:par>
+                                <p:cTn id="11" presetID="42" presetClass="path" presetSubtype="0" accel="50000" decel="50000" fill="hold" nodeType="withEffect">
+                                  <p:stCondLst>
+                                    <p:cond delay="0"/>
+                                  </p:stCondLst>
+                                  <p:childTnLst>
+                                    <p:animMotion origin="layout" path="M -0.00208 0.00139 L 0.39662 -0.25185 " pathEditMode="relative" rAng="0" ptsTypes="AA">
+                                      <p:cBhvr>
+                                        <p:cTn id="12" dur="2000" fill="hold"/>
+                                        <p:tgtEl>
+                                          <p:spTgt spid="28"/>
+                                        </p:tgtEl>
+                                        <p:attrNameLst>
+                                          <p:attrName>ppt_x</p:attrName>
+                                          <p:attrName>ppt_y</p:attrName>
+                                        </p:attrNameLst>
+                                      </p:cBhvr>
+                                      <p:rCtr x="19857" y="-12037"/>
+                                    </p:animMotion>
+                                  </p:childTnLst>
+                                </p:cTn>
+                              </p:par>
+                              <p:par>
+                                <p:cTn id="13" presetID="42" presetClass="path" presetSubtype="0" accel="50000" decel="50000" fill="hold" nodeType="withEffect">
+                                  <p:stCondLst>
+                                    <p:cond delay="0"/>
+                                  </p:stCondLst>
+                                  <p:childTnLst>
+                                    <p:animMotion origin="layout" path="M -0.00208 0.00139 L 0.49297 -0.34328 " pathEditMode="relative" rAng="0" ptsTypes="AA">
+                                      <p:cBhvr>
+                                        <p:cTn id="14" dur="2000" fill="hold"/>
+                                        <p:tgtEl>
+                                          <p:spTgt spid="26"/>
+                                        </p:tgtEl>
+                                        <p:attrNameLst>
+                                          <p:attrName>ppt_x</p:attrName>
+                                          <p:attrName>ppt_y</p:attrName>
+                                        </p:attrNameLst>
+                                      </p:cBhvr>
+                                      <p:rCtr x="24362" y="-17199"/>
+                                    </p:animMotion>
+                                  </p:childTnLst>
+                                </p:cTn>
+                              </p:par>
+                              <p:par>
+                                <p:cTn id="15" presetID="42" presetClass="path" presetSubtype="0" accel="50000" decel="50000" fill="hold" nodeType="withEffect">
+                                  <p:stCondLst>
+                                    <p:cond delay="0"/>
+                                  </p:stCondLst>
+                                  <p:childTnLst>
+                                    <p:animMotion origin="layout" path="M -0.00208 0.00139 L 0.42318 0.4088 " pathEditMode="relative" rAng="0" ptsTypes="AA">
+                                      <p:cBhvr>
+                                        <p:cTn id="16" dur="2000" fill="hold"/>
+                                        <p:tgtEl>
+                                          <p:spTgt spid="3"/>
+                                        </p:tgtEl>
+                                        <p:attrNameLst>
+                                          <p:attrName>ppt_x</p:attrName>
+                                          <p:attrName>ppt_y</p:attrName>
+                                        </p:attrNameLst>
+                                      </p:cBhvr>
+                                      <p:rCtr x="21003" y="20995"/>
+                                    </p:animMotion>
+                                  </p:childTnLst>
+                                </p:cTn>
+                              </p:par>
+                              <p:par>
+                                <p:cTn id="17" presetID="42" presetClass="path" presetSubtype="0" accel="50000" decel="50000" fill="hold" nodeType="withEffect">
+                                  <p:stCondLst>
+                                    <p:cond delay="0"/>
+                                  </p:stCondLst>
+                                  <p:childTnLst>
+                                    <p:animMotion origin="layout" path="M -0.00208 0.00139 L 0.53451 0.32755 " pathEditMode="relative" rAng="0" ptsTypes="AA">
+                                      <p:cBhvr>
+                                        <p:cTn id="18" dur="2000" fill="hold"/>
+                                        <p:tgtEl>
+                                          <p:spTgt spid="6"/>
+                                        </p:tgtEl>
+                                        <p:attrNameLst>
+                                          <p:attrName>ppt_x</p:attrName>
+                                          <p:attrName>ppt_y</p:attrName>
+                                        </p:attrNameLst>
+                                      </p:cBhvr>
+                                      <p:rCtr x="26797" y="16921"/>
+                                    </p:animMotion>
+                                  </p:childTnLst>
+                                </p:cTn>
+                              </p:par>
+                              <p:par>
+                                <p:cTn id="19" presetID="42" presetClass="path" presetSubtype="0" accel="50000" decel="50000" fill="hold" nodeType="withEffect">
+                                  <p:stCondLst>
+                                    <p:cond delay="0"/>
+                                  </p:stCondLst>
+                                  <p:childTnLst>
+                                    <p:animMotion origin="layout" path="M -0.00208 0.00138 L 0.42279 0.18981 " pathEditMode="relative" rAng="0" ptsTypes="AA">
+                                      <p:cBhvr>
+                                        <p:cTn id="20" dur="2000" fill="hold"/>
+                                        <p:tgtEl>
+                                          <p:spTgt spid="5"/>
+                                        </p:tgtEl>
+                                        <p:attrNameLst>
+                                          <p:attrName>ppt_x</p:attrName>
+                                          <p:attrName>ppt_y</p:attrName>
+                                        </p:attrNameLst>
+                                      </p:cBhvr>
+                                      <p:rCtr x="21107" y="9653"/>
+                                    </p:animMotion>
+                                  </p:childTnLst>
+                                </p:cTn>
+                              </p:par>
+                              <p:par>
+                                <p:cTn id="21" presetID="42" presetClass="path" presetSubtype="0" accel="50000" decel="50000" fill="hold" nodeType="withEffect">
+                                  <p:stCondLst>
+                                    <p:cond delay="0"/>
+                                  </p:stCondLst>
+                                  <p:childTnLst>
+                                    <p:animMotion origin="layout" path="M -0.00208 0.00139 L 0.42318 -0.03102 " pathEditMode="relative" rAng="0" ptsTypes="AA">
+                                      <p:cBhvr>
+                                        <p:cTn id="22" dur="2000" fill="hold"/>
+                                        <p:tgtEl>
+                                          <p:spTgt spid="4"/>
+                                        </p:tgtEl>
+                                        <p:attrNameLst>
+                                          <p:attrName>ppt_x</p:attrName>
+                                          <p:attrName>ppt_y</p:attrName>
+                                        </p:attrNameLst>
+                                      </p:cBhvr>
+                                      <p:rCtr x="20924" y="-1782"/>
+                                    </p:animMotion>
+                                  </p:childTnLst>
+                                </p:cTn>
+                              </p:par>
+                              <p:par>
+                                <p:cTn id="23" presetID="42" presetClass="path" presetSubtype="0" accel="50000" decel="50000" fill="hold" nodeType="withEffect">
+                                  <p:stCondLst>
+                                    <p:cond delay="0"/>
+                                  </p:stCondLst>
+                                  <p:childTnLst>
+                                    <p:animMotion origin="layout" path="M -0.00208 0.00139 L 0.30508 -0.31597 " pathEditMode="relative" rAng="0" ptsTypes="AA">
+                                      <p:cBhvr>
+                                        <p:cTn id="24" dur="2000" fill="hold"/>
+                                        <p:tgtEl>
+                                          <p:spTgt spid="7"/>
+                                        </p:tgtEl>
+                                        <p:attrNameLst>
+                                          <p:attrName>ppt_x</p:attrName>
+                                          <p:attrName>ppt_y</p:attrName>
+                                        </p:attrNameLst>
+                                      </p:cBhvr>
+                                      <p:rCtr x="14935" y="-15255"/>
+                                    </p:animMotion>
+                                  </p:childTnLst>
+                                </p:cTn>
+                              </p:par>
+                              <p:par>
+                                <p:cTn id="25" presetID="42" presetClass="path" presetSubtype="0" accel="50000" decel="50000" fill="hold" nodeType="withEffect">
+                                  <p:stCondLst>
+                                    <p:cond delay="0"/>
+                                  </p:stCondLst>
+                                  <p:childTnLst>
+                                    <p:animMotion origin="layout" path="M -0.00208 0.00138 L 0.32279 0.16644 " pathEditMode="relative" rAng="0" ptsTypes="AA">
+                                      <p:cBhvr>
+                                        <p:cTn id="26" dur="2000" fill="hold"/>
+                                        <p:tgtEl>
+                                          <p:spTgt spid="8"/>
+                                        </p:tgtEl>
+                                        <p:attrNameLst>
+                                          <p:attrName>ppt_x</p:attrName>
+                                          <p:attrName>ppt_y</p:attrName>
+                                        </p:attrNameLst>
+                                      </p:cBhvr>
+                                      <p:rCtr x="16159" y="8079"/>
+                                    </p:animMotion>
+                                  </p:childTnLst>
+                                </p:cTn>
+                              </p:par>
+                              <p:par>
+                                <p:cTn id="27" presetID="42" presetClass="path" presetSubtype="0" accel="50000" decel="50000" fill="hold" nodeType="withEffect">
+                                  <p:stCondLst>
+                                    <p:cond delay="0"/>
+                                  </p:stCondLst>
+                                  <p:childTnLst>
+                                    <p:animMotion origin="layout" path="M -0.00208 0.00139 L 0.32513 -0.03217 " pathEditMode="relative" rAng="0" ptsTypes="AA">
+                                      <p:cBhvr>
+                                        <p:cTn id="28" dur="2000" fill="hold"/>
+                                        <p:tgtEl>
+                                          <p:spTgt spid="9"/>
+                                        </p:tgtEl>
+                                        <p:attrNameLst>
+                                          <p:attrName>ppt_x</p:attrName>
+                                          <p:attrName>ppt_y</p:attrName>
+                                        </p:attrNameLst>
+                                      </p:cBhvr>
+                                      <p:rCtr x="15964" y="-532"/>
+                                    </p:animMotion>
+                                  </p:childTnLst>
+                                </p:cTn>
+                              </p:par>
+                            </p:childTnLst>
+                          </p:cTn>
+                        </p:par>
+                        <p:par>
+                          <p:cTn id="29" fill="hold">
+                            <p:stCondLst>
+                              <p:cond delay="2000"/>
+                            </p:stCondLst>
+                            <p:childTnLst>
+                              <p:par>
+                                <p:cTn id="30" presetID="42" presetClass="path" presetSubtype="0" accel="50000" decel="50000" fill="hold" nodeType="afterEffect">
+                                  <p:stCondLst>
+                                    <p:cond delay="0"/>
+                                  </p:stCondLst>
+                                  <p:childTnLst>
+                                    <p:animMotion origin="layout" path="M 0.53997 0.10671 L 1.0707 0.45787 " pathEditMode="relative" rAng="0" ptsTypes="AA">
+                                      <p:cBhvr>
+                                        <p:cTn id="31" dur="2000" fill="hold"/>
+                                        <p:tgtEl>
+                                          <p:spTgt spid="18"/>
+                                        </p:tgtEl>
+                                        <p:attrNameLst>
+                                          <p:attrName>ppt_x</p:attrName>
+                                          <p:attrName>ppt_y</p:attrName>
+                                        </p:attrNameLst>
+                                      </p:cBhvr>
+                                      <p:rCtr x="26536" y="17546"/>
+                                    </p:animMotion>
+                                  </p:childTnLst>
+                                </p:cTn>
+                              </p:par>
+                              <p:par>
+                                <p:cTn id="32" presetID="42" presetClass="path" presetSubtype="0" accel="50000" decel="50000" fill="hold" nodeType="withEffect">
+                                  <p:stCondLst>
+                                    <p:cond delay="0"/>
+                                  </p:stCondLst>
+                                  <p:childTnLst>
+                                    <p:animMotion origin="layout" path="M 0.51406 -0.1125 L 1.04583 -0.01412 " pathEditMode="relative" rAng="0" ptsTypes="AA">
+                                      <p:cBhvr>
+                                        <p:cTn id="33" dur="2000" fill="hold"/>
+                                        <p:tgtEl>
+                                          <p:spTgt spid="22"/>
+                                        </p:tgtEl>
+                                        <p:attrNameLst>
+                                          <p:attrName>ppt_x</p:attrName>
+                                          <p:attrName>ppt_y</p:attrName>
+                                        </p:attrNameLst>
+                                      </p:cBhvr>
+                                      <p:rCtr x="26589" y="4907"/>
+                                    </p:animMotion>
+                                  </p:childTnLst>
+                                </p:cTn>
+                              </p:par>
+                              <p:par>
+                                <p:cTn id="34" presetID="42" presetClass="path" presetSubtype="0" accel="50000" decel="50000" fill="hold" nodeType="withEffect">
+                                  <p:stCondLst>
+                                    <p:cond delay="0"/>
+                                  </p:stCondLst>
+                                  <p:childTnLst>
+                                    <p:animMotion origin="layout" path="M 0.32514 0.38727 L 1.05612 -0.05648 " pathEditMode="relative" rAng="0" ptsTypes="AA">
+                                      <p:cBhvr>
+                                        <p:cTn id="35" dur="2000" fill="hold"/>
+                                        <p:tgtEl>
+                                          <p:spTgt spid="33"/>
+                                        </p:tgtEl>
+                                        <p:attrNameLst>
+                                          <p:attrName>ppt_x</p:attrName>
+                                          <p:attrName>ppt_y</p:attrName>
+                                        </p:attrNameLst>
+                                      </p:cBhvr>
+                                      <p:rCtr x="36680" y="-21829"/>
+                                    </p:animMotion>
+                                  </p:childTnLst>
+                                </p:cTn>
+                              </p:par>
+                              <p:par>
+                                <p:cTn id="36" presetID="42" presetClass="path" presetSubtype="0" accel="50000" decel="50000" fill="hold" nodeType="withEffect">
+                                  <p:stCondLst>
+                                    <p:cond delay="0"/>
+                                  </p:stCondLst>
+                                  <p:childTnLst>
+                                    <p:animMotion origin="layout" path="M 0.39662 -0.25185 L 0.99402 -0.34236 " pathEditMode="relative" rAng="0" ptsTypes="AA">
+                                      <p:cBhvr>
+                                        <p:cTn id="37" dur="2000" fill="hold"/>
+                                        <p:tgtEl>
+                                          <p:spTgt spid="28"/>
+                                        </p:tgtEl>
+                                        <p:attrNameLst>
+                                          <p:attrName>ppt_x</p:attrName>
+                                          <p:attrName>ppt_y</p:attrName>
+                                        </p:attrNameLst>
+                                      </p:cBhvr>
+                                      <p:rCtr x="29870" y="-4537"/>
+                                    </p:animMotion>
+                                  </p:childTnLst>
+                                </p:cTn>
+                              </p:par>
+                              <p:par>
+                                <p:cTn id="38" presetID="42" presetClass="path" presetSubtype="0" accel="50000" decel="50000" fill="hold" nodeType="withEffect">
+                                  <p:stCondLst>
+                                    <p:cond delay="0"/>
+                                  </p:stCondLst>
+                                  <p:childTnLst>
+                                    <p:animMotion origin="layout" path="M 0.49296 -0.34329 L 0.97018 -0.03333 " pathEditMode="relative" rAng="0" ptsTypes="AA">
+                                      <p:cBhvr>
+                                        <p:cTn id="39" dur="2000" fill="hold"/>
+                                        <p:tgtEl>
+                                          <p:spTgt spid="26"/>
+                                        </p:tgtEl>
+                                        <p:attrNameLst>
+                                          <p:attrName>ppt_x</p:attrName>
+                                          <p:attrName>ppt_y</p:attrName>
+                                        </p:attrNameLst>
+                                      </p:cBhvr>
+                                      <p:rCtr x="23854" y="15486"/>
+                                    </p:animMotion>
+                                  </p:childTnLst>
+                                </p:cTn>
+                              </p:par>
+                              <p:par>
+                                <p:cTn id="40" presetID="42" presetClass="path" presetSubtype="0" accel="50000" decel="50000" fill="hold" nodeType="withEffect">
+                                  <p:stCondLst>
+                                    <p:cond delay="0"/>
+                                  </p:stCondLst>
+                                  <p:childTnLst>
+                                    <p:animMotion origin="layout" path="M 0.42318 0.4088 L 0.95495 0.31829 " pathEditMode="relative" rAng="0" ptsTypes="AA">
+                                      <p:cBhvr>
+                                        <p:cTn id="41" dur="2000" fill="hold"/>
+                                        <p:tgtEl>
+                                          <p:spTgt spid="3"/>
+                                        </p:tgtEl>
+                                        <p:attrNameLst>
+                                          <p:attrName>ppt_x</p:attrName>
+                                          <p:attrName>ppt_y</p:attrName>
+                                        </p:attrNameLst>
+                                      </p:cBhvr>
+                                      <p:rCtr x="26589" y="-4537"/>
+                                    </p:animMotion>
+                                  </p:childTnLst>
+                                </p:cTn>
+                              </p:par>
+                              <p:par>
+                                <p:cTn id="42" presetID="42" presetClass="path" presetSubtype="0" accel="50000" decel="50000" fill="hold" nodeType="withEffect">
+                                  <p:stCondLst>
+                                    <p:cond delay="0"/>
+                                  </p:stCondLst>
+                                  <p:childTnLst>
+                                    <p:animMotion origin="layout" path="M 0.53451 0.32754 L 1.05612 -0.05648 " pathEditMode="relative" rAng="0" ptsTypes="AA">
+                                      <p:cBhvr>
+                                        <p:cTn id="43" dur="2000" fill="hold"/>
+                                        <p:tgtEl>
+                                          <p:spTgt spid="6"/>
+                                        </p:tgtEl>
+                                        <p:attrNameLst>
+                                          <p:attrName>ppt_x</p:attrName>
+                                          <p:attrName>ppt_y</p:attrName>
+                                        </p:attrNameLst>
+                                      </p:cBhvr>
+                                      <p:rCtr x="25742" y="-18843"/>
+                                    </p:animMotion>
+                                  </p:childTnLst>
+                                </p:cTn>
+                              </p:par>
+                              <p:par>
+                                <p:cTn id="44" presetID="42" presetClass="path" presetSubtype="0" accel="50000" decel="50000" fill="hold" nodeType="withEffect">
+                                  <p:stCondLst>
+                                    <p:cond delay="0"/>
+                                  </p:stCondLst>
+                                  <p:childTnLst>
+                                    <p:animMotion origin="layout" path="M 0.42279 0.18981 L 1.01081 -0.00348 " pathEditMode="relative" rAng="0" ptsTypes="AA">
+                                      <p:cBhvr>
+                                        <p:cTn id="45" dur="2000" fill="hold"/>
+                                        <p:tgtEl>
+                                          <p:spTgt spid="5"/>
+                                        </p:tgtEl>
+                                        <p:attrNameLst>
+                                          <p:attrName>ppt_x</p:attrName>
+                                          <p:attrName>ppt_y</p:attrName>
+                                        </p:attrNameLst>
+                                      </p:cBhvr>
+                                      <p:rCtr x="29401" y="-9676"/>
+                                    </p:animMotion>
+                                  </p:childTnLst>
+                                </p:cTn>
+                              </p:par>
+                              <p:par>
+                                <p:cTn id="46" presetID="42" presetClass="path" presetSubtype="0" accel="50000" decel="50000" fill="hold" nodeType="withEffect">
+                                  <p:stCondLst>
+                                    <p:cond delay="0"/>
+                                  </p:stCondLst>
+                                  <p:childTnLst>
+                                    <p:animMotion origin="layout" path="M 0.42318 -0.03101 L 0.97018 -0.03333 " pathEditMode="relative" rAng="0" ptsTypes="AA">
+                                      <p:cBhvr>
+                                        <p:cTn id="47" dur="2000" fill="hold"/>
+                                        <p:tgtEl>
+                                          <p:spTgt spid="4"/>
+                                        </p:tgtEl>
+                                        <p:attrNameLst>
+                                          <p:attrName>ppt_x</p:attrName>
+                                          <p:attrName>ppt_y</p:attrName>
+                                        </p:attrNameLst>
+                                      </p:cBhvr>
+                                      <p:rCtr x="27422" y="-787"/>
+                                    </p:animMotion>
+                                  </p:childTnLst>
+                                </p:cTn>
+                              </p:par>
+                              <p:par>
+                                <p:cTn id="48" presetID="42" presetClass="path" presetSubtype="0" accel="50000" decel="50000" fill="hold" nodeType="withEffect">
+                                  <p:stCondLst>
+                                    <p:cond delay="0"/>
+                                  </p:stCondLst>
+                                  <p:childTnLst>
+                                    <p:animMotion origin="layout" path="M 0.30508 -0.31597 L 0.95248 0.0088 " pathEditMode="relative" rAng="0" ptsTypes="AA">
+                                      <p:cBhvr>
+                                        <p:cTn id="49" dur="2000" fill="hold"/>
+                                        <p:tgtEl>
+                                          <p:spTgt spid="7"/>
+                                        </p:tgtEl>
+                                        <p:attrNameLst>
+                                          <p:attrName>ppt_x</p:attrName>
+                                          <p:attrName>ppt_y</p:attrName>
+                                        </p:attrNameLst>
+                                      </p:cBhvr>
+                                      <p:rCtr x="32370" y="16227"/>
+                                    </p:animMotion>
+                                  </p:childTnLst>
+                                </p:cTn>
+                              </p:par>
+                              <p:par>
+                                <p:cTn id="50" presetID="42" presetClass="path" presetSubtype="0" accel="50000" decel="50000" fill="hold" nodeType="withEffect">
+                                  <p:stCondLst>
+                                    <p:cond delay="0"/>
+                                  </p:stCondLst>
+                                  <p:childTnLst>
+                                    <p:animMotion origin="layout" path="M 0.32513 -0.03218 L 1.05612 -0.05648 " pathEditMode="relative" rAng="0" ptsTypes="AA">
+                                      <p:cBhvr>
+                                        <p:cTn id="51" dur="2000" fill="hold"/>
+                                        <p:tgtEl>
+                                          <p:spTgt spid="9"/>
+                                        </p:tgtEl>
+                                        <p:attrNameLst>
+                                          <p:attrName>ppt_x</p:attrName>
+                                          <p:attrName>ppt_y</p:attrName>
+                                        </p:attrNameLst>
+                                      </p:cBhvr>
+                                      <p:rCtr x="36211" y="-856"/>
+                                    </p:animMotion>
+                                  </p:childTnLst>
+                                </p:cTn>
+                              </p:par>
+                              <p:par>
+                                <p:cTn id="52" presetID="42" presetClass="path" presetSubtype="0" accel="50000" decel="50000" fill="hold" nodeType="withEffect">
+                                  <p:stCondLst>
+                                    <p:cond delay="0"/>
+                                  </p:stCondLst>
+                                  <p:childTnLst>
+                                    <p:animMotion origin="layout" path="M 0.32278 0.16643 L 0.81797 0.34606 " pathEditMode="relative" rAng="0" ptsTypes="AA">
+                                      <p:cBhvr>
+                                        <p:cTn id="53" dur="2000" fill="hold"/>
+                                        <p:tgtEl>
+                                          <p:spTgt spid="8"/>
+                                        </p:tgtEl>
+                                        <p:attrNameLst>
+                                          <p:attrName>ppt_x</p:attrName>
+                                          <p:attrName>ppt_y</p:attrName>
+                                        </p:attrNameLst>
+                                      </p:cBhvr>
+                                      <p:rCtr x="24935" y="9352"/>
+                                    </p:animMotion>
+                                  </p:childTnLst>
+                                </p:cTn>
+                              </p:par>
+                            </p:childTnLst>
+                          </p:cTn>
+                        </p:par>
+                      </p:childTnLst>
+                    </p:cTn>
+                  </p:par>
+                </p:childTnLst>
+              </p:cTn>
+              <p:prevCondLst>
+                <p:cond evt="onPrev" delay="0">
+                  <p:tgtEl>
+                    <p:sldTgt/>
+                  </p:tgtEl>
+                </p:cond>
+              </p:prevCondLst>
+              <p:nextCondLst>
+                <p:cond evt="onNext" delay="0">
+                  <p:tgtEl>
+                    <p:sldTgt/>
+                  </p:tgtEl>
+                </p:cond>
+              </p:nextCondLst>
+            </p:seq>
+          </p:childTnLst>
+        </p:cTn>
+      </p:par>
+    </p:tnLst>
+  </p:timing>
+</p:sld>
+</file>
+
+<file path=ppt/slides/slide5.xml><?xml version="1.0" encoding="utf-8"?>
 <p:sld xmlns:a="http://schemas.openxmlformats.org/drawingml/2006/main" xmlns:r="http://schemas.openxmlformats.org/officeDocument/2006/relationships" xmlns:p="http://schemas.openxmlformats.org/presentationml/2006/main">
   <p:cSld>
     <p:spTree>
@@ -9867,7 +11590,7 @@
 </p:sld>
 </file>
 
-<file path=ppt/slides/slide5.xml><?xml version="1.0" encoding="utf-8"?>
+<file path=ppt/slides/slide6.xml><?xml version="1.0" encoding="utf-8"?>
 <p:sld xmlns:a="http://schemas.openxmlformats.org/drawingml/2006/main" xmlns:r="http://schemas.openxmlformats.org/officeDocument/2006/relationships" xmlns:p="http://schemas.openxmlformats.org/presentationml/2006/main">
   <p:cSld>
     <p:spTree>
@@ -10264,65 +11987,6 @@
 </p:sld>
 </file>
 
-<file path=ppt/slides/slide6.xml><?xml version="1.0" encoding="utf-8"?>
-<p:sld xmlns:a="http://schemas.openxmlformats.org/drawingml/2006/main" xmlns:r="http://schemas.openxmlformats.org/officeDocument/2006/relationships" xmlns:p="http://schemas.openxmlformats.org/presentationml/2006/main">
-  <p:cSld>
-    <p:spTree>
-      <p:nvGrpSpPr>
-        <p:cNvPr id="1" name=""/>
-        <p:cNvGrpSpPr/>
-        <p:nvPr/>
-      </p:nvGrpSpPr>
-      <p:grpSpPr>
-        <a:xfrm>
-          <a:off x="0" y="0"/>
-          <a:ext cx="0" cy="0"/>
-          <a:chOff x="0" y="0"/>
-          <a:chExt cx="0" cy="0"/>
-        </a:xfrm>
-      </p:grpSpPr>
-      <p:sp>
-        <p:nvSpPr>
-          <p:cNvPr id="2" name="Titel 1">
-            <a:extLst>
-              <a:ext uri="{FF2B5EF4-FFF2-40B4-BE49-F238E27FC236}">
-                <a16:creationId xmlns:a16="http://schemas.microsoft.com/office/drawing/2014/main" id="{91A9A188-7E7B-25AD-68C9-E60C4111C488}"/>
-              </a:ext>
-            </a:extLst>
-          </p:cNvPr>
-          <p:cNvSpPr>
-            <a:spLocks noGrp="1"/>
-          </p:cNvSpPr>
-          <p:nvPr>
-            <p:ph type="title"/>
-          </p:nvPr>
-        </p:nvSpPr>
-        <p:spPr/>
-        <p:txBody>
-          <a:bodyPr/>
-          <a:lstStyle/>
-          <a:p>
-            <a:pPr algn="ctr"/>
-            <a:r>
-              <a:rPr lang="de-DE" dirty="0"/>
-              <a:t>Programmvorstellung</a:t>
-            </a:r>
-          </a:p>
-        </p:txBody>
-      </p:sp>
-    </p:spTree>
-    <p:extLst>
-      <p:ext uri="{BB962C8B-B14F-4D97-AF65-F5344CB8AC3E}">
-        <p14:creationId xmlns:p14="http://schemas.microsoft.com/office/powerpoint/2010/main" val="2345368440"/>
-      </p:ext>
-    </p:extLst>
-  </p:cSld>
-  <p:clrMapOvr>
-    <a:masterClrMapping/>
-  </p:clrMapOvr>
-</p:sld>
-</file>
-
 <file path=ppt/slides/slide7.xml><?xml version="1.0" encoding="utf-8"?>
 <p:sld xmlns:a="http://schemas.openxmlformats.org/drawingml/2006/main" xmlns:r="http://schemas.openxmlformats.org/officeDocument/2006/relationships" xmlns:p="http://schemas.openxmlformats.org/presentationml/2006/main">
   <p:cSld>
@@ -10345,6 +12009,65 @@
           <p:cNvPr id="2" name="Titel 1">
             <a:extLst>
               <a:ext uri="{FF2B5EF4-FFF2-40B4-BE49-F238E27FC236}">
+                <a16:creationId xmlns:a16="http://schemas.microsoft.com/office/drawing/2014/main" id="{91A9A188-7E7B-25AD-68C9-E60C4111C488}"/>
+              </a:ext>
+            </a:extLst>
+          </p:cNvPr>
+          <p:cNvSpPr>
+            <a:spLocks noGrp="1"/>
+          </p:cNvSpPr>
+          <p:nvPr>
+            <p:ph type="title"/>
+          </p:nvPr>
+        </p:nvSpPr>
+        <p:spPr/>
+        <p:txBody>
+          <a:bodyPr/>
+          <a:lstStyle/>
+          <a:p>
+            <a:pPr algn="ctr"/>
+            <a:r>
+              <a:rPr lang="de-DE" dirty="0"/>
+              <a:t>Programmvorstellung</a:t>
+            </a:r>
+          </a:p>
+        </p:txBody>
+      </p:sp>
+    </p:spTree>
+    <p:extLst>
+      <p:ext uri="{BB962C8B-B14F-4D97-AF65-F5344CB8AC3E}">
+        <p14:creationId xmlns:p14="http://schemas.microsoft.com/office/powerpoint/2010/main" val="2345368440"/>
+      </p:ext>
+    </p:extLst>
+  </p:cSld>
+  <p:clrMapOvr>
+    <a:masterClrMapping/>
+  </p:clrMapOvr>
+</p:sld>
+</file>
+
+<file path=ppt/slides/slide8.xml><?xml version="1.0" encoding="utf-8"?>
+<p:sld xmlns:a="http://schemas.openxmlformats.org/drawingml/2006/main" xmlns:r="http://schemas.openxmlformats.org/officeDocument/2006/relationships" xmlns:p="http://schemas.openxmlformats.org/presentationml/2006/main">
+  <p:cSld>
+    <p:spTree>
+      <p:nvGrpSpPr>
+        <p:cNvPr id="1" name=""/>
+        <p:cNvGrpSpPr/>
+        <p:nvPr/>
+      </p:nvGrpSpPr>
+      <p:grpSpPr>
+        <a:xfrm>
+          <a:off x="0" y="0"/>
+          <a:ext cx="0" cy="0"/>
+          <a:chOff x="0" y="0"/>
+          <a:chExt cx="0" cy="0"/>
+        </a:xfrm>
+      </p:grpSpPr>
+      <p:sp>
+        <p:nvSpPr>
+          <p:cNvPr id="2" name="Titel 1">
+            <a:extLst>
+              <a:ext uri="{FF2B5EF4-FFF2-40B4-BE49-F238E27FC236}">
                 <a16:creationId xmlns:a16="http://schemas.microsoft.com/office/drawing/2014/main" id="{72DD5949-DBEF-06D6-131F-71210ACDD7A0}"/>
               </a:ext>
             </a:extLst>
@@ -10407,7 +12130,7 @@
 </p:sld>
 </file>
 
-<file path=ppt/slides/slide8.xml><?xml version="1.0" encoding="utf-8"?>
+<file path=ppt/slides/slide9.xml><?xml version="1.0" encoding="utf-8"?>
 <p:sld xmlns:a="http://schemas.openxmlformats.org/drawingml/2006/main" xmlns:r="http://schemas.openxmlformats.org/officeDocument/2006/relationships" xmlns:p="http://schemas.openxmlformats.org/presentationml/2006/main">
   <p:cSld>
     <p:spTree>
@@ -10891,426 +12614,6 @@
 </p:sld>
 </file>
 
-<file path=ppt/slides/slide9.xml><?xml version="1.0" encoding="utf-8"?>
-<p:sld xmlns:a="http://schemas.openxmlformats.org/drawingml/2006/main" xmlns:r="http://schemas.openxmlformats.org/officeDocument/2006/relationships" xmlns:p="http://schemas.openxmlformats.org/presentationml/2006/main">
-  <p:cSld>
-    <p:spTree>
-      <p:nvGrpSpPr>
-        <p:cNvPr id="1" name=""/>
-        <p:cNvGrpSpPr/>
-        <p:nvPr/>
-      </p:nvGrpSpPr>
-      <p:grpSpPr>
-        <a:xfrm>
-          <a:off x="0" y="0"/>
-          <a:ext cx="0" cy="0"/>
-          <a:chOff x="0" y="0"/>
-          <a:chExt cx="0" cy="0"/>
-        </a:xfrm>
-      </p:grpSpPr>
-      <p:sp>
-        <p:nvSpPr>
-          <p:cNvPr id="2" name="Titel 1">
-            <a:extLst>
-              <a:ext uri="{FF2B5EF4-FFF2-40B4-BE49-F238E27FC236}">
-                <a16:creationId xmlns:a16="http://schemas.microsoft.com/office/drawing/2014/main" id="{E880CFA0-4959-E17A-DBD8-231B5D146E77}"/>
-              </a:ext>
-            </a:extLst>
-          </p:cNvPr>
-          <p:cNvSpPr>
-            <a:spLocks noGrp="1"/>
-          </p:cNvSpPr>
-          <p:nvPr>
-            <p:ph type="title"/>
-          </p:nvPr>
-        </p:nvSpPr>
-        <p:spPr/>
-        <p:txBody>
-          <a:bodyPr/>
-          <a:lstStyle/>
-          <a:p>
-            <a:pPr algn="ctr"/>
-            <a:r>
-              <a:rPr lang="de-DE" dirty="0"/>
-              <a:t>Aufwand</a:t>
-            </a:r>
-          </a:p>
-        </p:txBody>
-      </p:sp>
-      <p:graphicFrame>
-        <p:nvGraphicFramePr>
-          <p:cNvPr id="4" name="Tabelle 3">
-            <a:extLst>
-              <a:ext uri="{FF2B5EF4-FFF2-40B4-BE49-F238E27FC236}">
-                <a16:creationId xmlns:a16="http://schemas.microsoft.com/office/drawing/2014/main" id="{CADCDC86-37C7-97BB-358C-AC4B4FDA7CFB}"/>
-              </a:ext>
-            </a:extLst>
-          </p:cNvPr>
-          <p:cNvGraphicFramePr>
-            <a:graphicFrameLocks noGrp="1"/>
-          </p:cNvGraphicFramePr>
-          <p:nvPr>
-            <p:extLst>
-              <p:ext uri="{D42A27DB-BD31-4B8C-83A1-F6EECF244321}">
-                <p14:modId xmlns:p14="http://schemas.microsoft.com/office/powerpoint/2010/main" val="3247270097"/>
-              </p:ext>
-            </p:extLst>
-          </p:nvPr>
-        </p:nvGraphicFramePr>
-        <p:xfrm>
-          <a:off x="1409698" y="1690688"/>
-          <a:ext cx="9372603" cy="4242255"/>
-        </p:xfrm>
-        <a:graphic>
-          <a:graphicData uri="http://schemas.openxmlformats.org/drawingml/2006/table">
-            <a:tbl>
-              <a:tblPr firstRow="1" bandRow="1">
-                <a:tableStyleId>{5C22544A-7EE6-4342-B048-85BDC9FD1C3A}</a:tableStyleId>
-              </a:tblPr>
-              <a:tblGrid>
-                <a:gridCol w="2116033">
-                  <a:extLst>
-                    <a:ext uri="{9D8B030D-6E8A-4147-A177-3AD203B41FA5}">
-                      <a16:colId xmlns:a16="http://schemas.microsoft.com/office/drawing/2014/main" val="1802161498"/>
-                    </a:ext>
-                  </a:extLst>
-                </a:gridCol>
-                <a:gridCol w="2133964">
-                  <a:extLst>
-                    <a:ext uri="{9D8B030D-6E8A-4147-A177-3AD203B41FA5}">
-                      <a16:colId xmlns:a16="http://schemas.microsoft.com/office/drawing/2014/main" val="1269543500"/>
-                    </a:ext>
-                  </a:extLst>
-                </a:gridCol>
-                <a:gridCol w="2456748">
-                  <a:extLst>
-                    <a:ext uri="{9D8B030D-6E8A-4147-A177-3AD203B41FA5}">
-                      <a16:colId xmlns:a16="http://schemas.microsoft.com/office/drawing/2014/main" val="212369715"/>
-                    </a:ext>
-                  </a:extLst>
-                </a:gridCol>
-                <a:gridCol w="2665858">
-                  <a:extLst>
-                    <a:ext uri="{9D8B030D-6E8A-4147-A177-3AD203B41FA5}">
-                      <a16:colId xmlns:a16="http://schemas.microsoft.com/office/drawing/2014/main" val="4248164998"/>
-                    </a:ext>
-                  </a:extLst>
-                </a:gridCol>
-              </a:tblGrid>
-              <a:tr h="848451">
-                <a:tc>
-                  <a:txBody>
-                    <a:bodyPr/>
-                    <a:lstStyle/>
-                    <a:p>
-                      <a:pPr algn="ctr"/>
-                      <a:endParaRPr lang="de-DE" dirty="0"/>
-                    </a:p>
-                  </a:txBody>
-                  <a:tcPr anchor="ctr"/>
-                </a:tc>
-                <a:tc>
-                  <a:txBody>
-                    <a:bodyPr/>
-                    <a:lstStyle/>
-                    <a:p>
-                      <a:pPr algn="ctr"/>
-                      <a:r>
-                        <a:rPr lang="de-DE" dirty="0"/>
-                        <a:t>Konzeption</a:t>
-                      </a:r>
-                    </a:p>
-                  </a:txBody>
-                  <a:tcPr anchor="ctr"/>
-                </a:tc>
-                <a:tc>
-                  <a:txBody>
-                    <a:bodyPr/>
-                    <a:lstStyle/>
-                    <a:p>
-                      <a:pPr algn="ctr"/>
-                      <a:r>
-                        <a:rPr lang="de-DE" dirty="0"/>
-                        <a:t>Programmieren</a:t>
-                      </a:r>
-                    </a:p>
-                  </a:txBody>
-                  <a:tcPr anchor="ctr"/>
-                </a:tc>
-                <a:tc>
-                  <a:txBody>
-                    <a:bodyPr/>
-                    <a:lstStyle/>
-                    <a:p>
-                      <a:pPr algn="ctr"/>
-                      <a:r>
-                        <a:rPr lang="de-DE" dirty="0"/>
-                        <a:t>Präsentation</a:t>
-                      </a:r>
-                    </a:p>
-                  </a:txBody>
-                  <a:tcPr anchor="ctr"/>
-                </a:tc>
-                <a:extLst>
-                  <a:ext uri="{0D108BD9-81ED-4DB2-BD59-A6C34878D82A}">
-                    <a16:rowId xmlns:a16="http://schemas.microsoft.com/office/drawing/2014/main" val="1149703791"/>
-                  </a:ext>
-                </a:extLst>
-              </a:tr>
-              <a:tr h="848451">
-                <a:tc>
-                  <a:txBody>
-                    <a:bodyPr/>
-                    <a:lstStyle/>
-                    <a:p>
-                      <a:pPr algn="ctr"/>
-                      <a:r>
-                        <a:rPr lang="de-DE" dirty="0"/>
-                        <a:t>Adams</a:t>
-                      </a:r>
-                    </a:p>
-                  </a:txBody>
-                  <a:tcPr anchor="ctr"/>
-                </a:tc>
-                <a:tc>
-                  <a:txBody>
-                    <a:bodyPr/>
-                    <a:lstStyle/>
-                    <a:p>
-                      <a:pPr algn="ctr"/>
-                      <a:r>
-                        <a:rPr lang="de-DE" dirty="0"/>
-                        <a:t>½ h</a:t>
-                      </a:r>
-                    </a:p>
-                  </a:txBody>
-                  <a:tcPr anchor="ctr"/>
-                </a:tc>
-                <a:tc>
-                  <a:txBody>
-                    <a:bodyPr/>
-                    <a:lstStyle/>
-                    <a:p>
-                      <a:pPr algn="ctr"/>
-                      <a:r>
-                        <a:rPr lang="de-DE" dirty="0"/>
-                        <a:t>3 h</a:t>
-                      </a:r>
-                    </a:p>
-                  </a:txBody>
-                  <a:tcPr anchor="ctr"/>
-                </a:tc>
-                <a:tc>
-                  <a:txBody>
-                    <a:bodyPr/>
-                    <a:lstStyle/>
-                    <a:p>
-                      <a:pPr algn="ctr"/>
-                      <a:endParaRPr lang="de-DE" dirty="0"/>
-                    </a:p>
-                  </a:txBody>
-                  <a:tcPr anchor="ctr"/>
-                </a:tc>
-                <a:extLst>
-                  <a:ext uri="{0D108BD9-81ED-4DB2-BD59-A6C34878D82A}">
-                    <a16:rowId xmlns:a16="http://schemas.microsoft.com/office/drawing/2014/main" val="4187042066"/>
-                  </a:ext>
-                </a:extLst>
-              </a:tr>
-              <a:tr h="848451">
-                <a:tc>
-                  <a:txBody>
-                    <a:bodyPr/>
-                    <a:lstStyle/>
-                    <a:p>
-                      <a:pPr algn="ctr"/>
-                      <a:r>
-                        <a:rPr lang="de-DE" dirty="0"/>
-                        <a:t>Holländer</a:t>
-                      </a:r>
-                    </a:p>
-                  </a:txBody>
-                  <a:tcPr anchor="ctr"/>
-                </a:tc>
-                <a:tc>
-                  <a:txBody>
-                    <a:bodyPr/>
-                    <a:lstStyle/>
-                    <a:p>
-                      <a:pPr algn="ctr"/>
-                      <a:r>
-                        <a:rPr lang="de-DE" dirty="0"/>
-                        <a:t>1 h</a:t>
-                      </a:r>
-                    </a:p>
-                  </a:txBody>
-                  <a:tcPr anchor="ctr"/>
-                </a:tc>
-                <a:tc>
-                  <a:txBody>
-                    <a:bodyPr/>
-                    <a:lstStyle/>
-                    <a:p>
-                      <a:pPr algn="ctr"/>
-                      <a:r>
-                        <a:rPr lang="de-DE" dirty="0"/>
-                        <a:t>5 h</a:t>
-                      </a:r>
-                    </a:p>
-                  </a:txBody>
-                  <a:tcPr anchor="ctr"/>
-                </a:tc>
-                <a:tc>
-                  <a:txBody>
-                    <a:bodyPr/>
-                    <a:lstStyle/>
-                    <a:p>
-                      <a:pPr algn="ctr"/>
-                      <a:endParaRPr lang="de-DE" dirty="0"/>
-                    </a:p>
-                  </a:txBody>
-                  <a:tcPr anchor="ctr"/>
-                </a:tc>
-                <a:extLst>
-                  <a:ext uri="{0D108BD9-81ED-4DB2-BD59-A6C34878D82A}">
-                    <a16:rowId xmlns:a16="http://schemas.microsoft.com/office/drawing/2014/main" val="2226179483"/>
-                  </a:ext>
-                </a:extLst>
-              </a:tr>
-              <a:tr h="848451">
-                <a:tc>
-                  <a:txBody>
-                    <a:bodyPr/>
-                    <a:lstStyle/>
-                    <a:p>
-                      <a:pPr algn="ctr"/>
-                      <a:r>
-                        <a:rPr lang="de-DE" dirty="0"/>
-                        <a:t>Neumann</a:t>
-                      </a:r>
-                    </a:p>
-                  </a:txBody>
-                  <a:tcPr anchor="ctr"/>
-                </a:tc>
-                <a:tc>
-                  <a:txBody>
-                    <a:bodyPr/>
-                    <a:lstStyle/>
-                    <a:p>
-                      <a:pPr algn="ctr"/>
-                      <a:r>
-                        <a:rPr lang="de-DE" dirty="0"/>
-                        <a:t>½ h</a:t>
-                      </a:r>
-                    </a:p>
-                  </a:txBody>
-                  <a:tcPr anchor="ctr"/>
-                </a:tc>
-                <a:tc>
-                  <a:txBody>
-                    <a:bodyPr/>
-                    <a:lstStyle/>
-                    <a:p>
-                      <a:pPr algn="ctr"/>
-                      <a:r>
-                        <a:rPr lang="de-DE" dirty="0"/>
-                        <a:t>1 h</a:t>
-                      </a:r>
-                    </a:p>
-                  </a:txBody>
-                  <a:tcPr anchor="ctr"/>
-                </a:tc>
-                <a:tc>
-                  <a:txBody>
-                    <a:bodyPr/>
-                    <a:lstStyle/>
-                    <a:p>
-                      <a:pPr algn="ctr"/>
-                      <a:r>
-                        <a:rPr lang="de-DE" dirty="0"/>
-                        <a:t>1 h</a:t>
-                      </a:r>
-                    </a:p>
-                  </a:txBody>
-                  <a:tcPr anchor="ctr"/>
-                </a:tc>
-                <a:extLst>
-                  <a:ext uri="{0D108BD9-81ED-4DB2-BD59-A6C34878D82A}">
-                    <a16:rowId xmlns:a16="http://schemas.microsoft.com/office/drawing/2014/main" val="487755473"/>
-                  </a:ext>
-                </a:extLst>
-              </a:tr>
-              <a:tr h="848451">
-                <a:tc>
-                  <a:txBody>
-                    <a:bodyPr/>
-                    <a:lstStyle/>
-                    <a:p>
-                      <a:pPr algn="ctr"/>
-                      <a:r>
-                        <a:rPr lang="de-DE" dirty="0"/>
-                        <a:t>Gesamt</a:t>
-                      </a:r>
-                    </a:p>
-                  </a:txBody>
-                  <a:tcPr anchor="ctr"/>
-                </a:tc>
-                <a:tc>
-                  <a:txBody>
-                    <a:bodyPr/>
-                    <a:lstStyle/>
-                    <a:p>
-                      <a:pPr algn="ctr"/>
-                      <a:endParaRPr lang="de-DE" dirty="0"/>
-                    </a:p>
-                  </a:txBody>
-                  <a:tcPr anchor="ctr"/>
-                </a:tc>
-                <a:tc>
-                  <a:txBody>
-                    <a:bodyPr/>
-                    <a:lstStyle/>
-                    <a:p>
-                      <a:pPr algn="ctr"/>
-                      <a:endParaRPr lang="de-DE" dirty="0"/>
-                    </a:p>
-                  </a:txBody>
-                  <a:tcPr anchor="ctr"/>
-                </a:tc>
-                <a:tc>
-                  <a:txBody>
-                    <a:bodyPr/>
-                    <a:lstStyle/>
-                    <a:p>
-                      <a:pPr algn="ctr"/>
-                      <a:endParaRPr lang="de-DE" dirty="0"/>
-                    </a:p>
-                  </a:txBody>
-                  <a:tcPr anchor="ctr"/>
-                </a:tc>
-                <a:extLst>
-                  <a:ext uri="{0D108BD9-81ED-4DB2-BD59-A6C34878D82A}">
-                    <a16:rowId xmlns:a16="http://schemas.microsoft.com/office/drawing/2014/main" val="3531707629"/>
-                  </a:ext>
-                </a:extLst>
-              </a:tr>
-            </a:tbl>
-          </a:graphicData>
-        </a:graphic>
-      </p:graphicFrame>
-    </p:spTree>
-    <p:extLst>
-      <p:ext uri="{BB962C8B-B14F-4D97-AF65-F5344CB8AC3E}">
-        <p14:creationId xmlns:p14="http://schemas.microsoft.com/office/powerpoint/2010/main" val="2237427239"/>
-      </p:ext>
-    </p:extLst>
-  </p:cSld>
-  <p:clrMapOvr>
-    <a:masterClrMapping/>
-  </p:clrMapOvr>
-</p:sld>
-</file>
-
 <file path=ppt/theme/theme1.xml><?xml version="1.0" encoding="utf-8"?>
 <a:theme xmlns:a="http://schemas.openxmlformats.org/drawingml/2006/main" name="Office">
   <a:themeElements>

--- a/Präsentation/SuperSort.pptx
+++ b/Präsentation/SuperSort.pptx
@@ -9,13 +9,14 @@
     <p:sldId id="257" r:id="rId3"/>
     <p:sldId id="266" r:id="rId4"/>
     <p:sldId id="258" r:id="rId5"/>
-    <p:sldId id="259" r:id="rId6"/>
-    <p:sldId id="260" r:id="rId7"/>
-    <p:sldId id="263" r:id="rId8"/>
-    <p:sldId id="262" r:id="rId9"/>
-    <p:sldId id="261" r:id="rId10"/>
-    <p:sldId id="264" r:id="rId11"/>
-    <p:sldId id="265" r:id="rId12"/>
+    <p:sldId id="267" r:id="rId6"/>
+    <p:sldId id="259" r:id="rId7"/>
+    <p:sldId id="260" r:id="rId8"/>
+    <p:sldId id="263" r:id="rId9"/>
+    <p:sldId id="262" r:id="rId10"/>
+    <p:sldId id="261" r:id="rId11"/>
+    <p:sldId id="264" r:id="rId12"/>
+    <p:sldId id="265" r:id="rId13"/>
   </p:sldIdLst>
   <p:sldSz cx="12192000" cy="6858000"/>
   <p:notesSz cx="6858000" cy="9144000"/>
@@ -3500,6 +3501,490 @@
 </file>
 
 <file path=ppt/slides/slide10.xml><?xml version="1.0" encoding="utf-8"?>
+<p:sld xmlns:a="http://schemas.openxmlformats.org/drawingml/2006/main" xmlns:r="http://schemas.openxmlformats.org/officeDocument/2006/relationships" xmlns:p="http://schemas.openxmlformats.org/presentationml/2006/main">
+  <p:cSld>
+    <p:spTree>
+      <p:nvGrpSpPr>
+        <p:cNvPr id="1" name=""/>
+        <p:cNvGrpSpPr/>
+        <p:nvPr/>
+      </p:nvGrpSpPr>
+      <p:grpSpPr>
+        <a:xfrm>
+          <a:off x="0" y="0"/>
+          <a:ext cx="0" cy="0"/>
+          <a:chOff x="0" y="0"/>
+          <a:chExt cx="0" cy="0"/>
+        </a:xfrm>
+      </p:grpSpPr>
+      <p:sp>
+        <p:nvSpPr>
+          <p:cNvPr id="2" name="Titel 1">
+            <a:extLst>
+              <a:ext uri="{FF2B5EF4-FFF2-40B4-BE49-F238E27FC236}">
+                <a16:creationId xmlns:a16="http://schemas.microsoft.com/office/drawing/2014/main" id="{636AF43D-66EB-EF61-3A62-EA00537EFAD7}"/>
+              </a:ext>
+            </a:extLst>
+          </p:cNvPr>
+          <p:cNvSpPr>
+            <a:spLocks noGrp="1"/>
+          </p:cNvSpPr>
+          <p:nvPr>
+            <p:ph type="title"/>
+          </p:nvPr>
+        </p:nvSpPr>
+        <p:spPr/>
+        <p:txBody>
+          <a:bodyPr/>
+          <a:lstStyle/>
+          <a:p>
+            <a:pPr algn="ctr"/>
+            <a:r>
+              <a:rPr lang="de-DE" dirty="0"/>
+              <a:t>Fazit</a:t>
+            </a:r>
+          </a:p>
+        </p:txBody>
+      </p:sp>
+      <p:sp>
+        <p:nvSpPr>
+          <p:cNvPr id="3" name="Inhaltsplatzhalter 2">
+            <a:extLst>
+              <a:ext uri="{FF2B5EF4-FFF2-40B4-BE49-F238E27FC236}">
+                <a16:creationId xmlns:a16="http://schemas.microsoft.com/office/drawing/2014/main" id="{884FE433-C78A-490E-2644-80B24B2158DB}"/>
+              </a:ext>
+            </a:extLst>
+          </p:cNvPr>
+          <p:cNvSpPr>
+            <a:spLocks noGrp="1"/>
+          </p:cNvSpPr>
+          <p:nvPr>
+            <p:ph idx="1"/>
+          </p:nvPr>
+        </p:nvSpPr>
+        <p:spPr/>
+        <p:txBody>
+          <a:bodyPr>
+            <a:normAutofit lnSpcReduction="10000"/>
+          </a:bodyPr>
+          <a:lstStyle/>
+          <a:p>
+            <a:r>
+              <a:rPr lang="de-DE" dirty="0"/>
+              <a:t>Innerhalb von x Stunden folgende Ziele erreicht:</a:t>
+            </a:r>
+          </a:p>
+          <a:p>
+            <a:endParaRPr lang="de-DE" dirty="0"/>
+          </a:p>
+          <a:p>
+            <a:r>
+              <a:rPr lang="de-DE" dirty="0"/>
+              <a:t>A, B, C, D</a:t>
+            </a:r>
+          </a:p>
+          <a:p>
+            <a:endParaRPr lang="de-DE" dirty="0"/>
+          </a:p>
+          <a:p>
+            <a:r>
+              <a:rPr lang="de-DE" dirty="0"/>
+              <a:t>Folgende Probleme gehabt</a:t>
+            </a:r>
+          </a:p>
+          <a:p>
+            <a:endParaRPr lang="de-DE" dirty="0"/>
+          </a:p>
+          <a:p>
+            <a:r>
+              <a:rPr lang="de-DE" dirty="0"/>
+              <a:t>A,B, C, D</a:t>
+            </a:r>
+          </a:p>
+          <a:p>
+            <a:endParaRPr lang="de-DE" dirty="0"/>
+          </a:p>
+          <a:p>
+            <a:r>
+              <a:rPr lang="de-DE" dirty="0" err="1"/>
+              <a:t>Has</a:t>
+            </a:r>
+            <a:r>
+              <a:rPr lang="de-DE" dirty="0"/>
+              <a:t>(s)</a:t>
+            </a:r>
+            <a:r>
+              <a:rPr lang="de-DE" dirty="0" err="1"/>
+              <a:t>kell</a:t>
+            </a:r>
+            <a:r>
+              <a:rPr lang="de-DE" dirty="0"/>
+              <a:t> als Programmiersprache?!</a:t>
+            </a:r>
+          </a:p>
+          <a:p>
+            <a:pPr marL="0" indent="0">
+              <a:buNone/>
+            </a:pPr>
+            <a:endParaRPr lang="de-DE" dirty="0"/>
+          </a:p>
+          <a:p>
+            <a:endParaRPr lang="de-DE" dirty="0"/>
+          </a:p>
+        </p:txBody>
+      </p:sp>
+    </p:spTree>
+    <p:extLst>
+      <p:ext uri="{BB962C8B-B14F-4D97-AF65-F5344CB8AC3E}">
+        <p14:creationId xmlns:p14="http://schemas.microsoft.com/office/powerpoint/2010/main" val="609048910"/>
+      </p:ext>
+    </p:extLst>
+  </p:cSld>
+  <p:clrMapOvr>
+    <a:masterClrMapping/>
+  </p:clrMapOvr>
+  <p:timing>
+    <p:tnLst>
+      <p:par>
+        <p:cTn id="1" dur="indefinite" restart="never" nodeType="tmRoot">
+          <p:childTnLst>
+            <p:seq concurrent="1" nextAc="seek">
+              <p:cTn id="2" dur="indefinite" nodeType="mainSeq">
+                <p:childTnLst>
+                  <p:par>
+                    <p:cTn id="3" fill="hold">
+                      <p:stCondLst>
+                        <p:cond delay="indefinite"/>
+                      </p:stCondLst>
+                      <p:childTnLst>
+                        <p:par>
+                          <p:cTn id="4" fill="hold">
+                            <p:stCondLst>
+                              <p:cond delay="0"/>
+                            </p:stCondLst>
+                            <p:childTnLst>
+                              <p:par>
+                                <p:cTn id="5" presetID="10" presetClass="entr" presetSubtype="0" fill="hold" grpId="0" nodeType="clickEffect">
+                                  <p:stCondLst>
+                                    <p:cond delay="0"/>
+                                  </p:stCondLst>
+                                  <p:childTnLst>
+                                    <p:set>
+                                      <p:cBhvr>
+                                        <p:cTn id="6" dur="1" fill="hold">
+                                          <p:stCondLst>
+                                            <p:cond delay="0"/>
+                                          </p:stCondLst>
+                                        </p:cTn>
+                                        <p:tgtEl>
+                                          <p:spTgt spid="3">
+                                            <p:txEl>
+                                              <p:pRg st="0" end="0"/>
+                                            </p:txEl>
+                                          </p:spTgt>
+                                        </p:tgtEl>
+                                        <p:attrNameLst>
+                                          <p:attrName>style.visibility</p:attrName>
+                                        </p:attrNameLst>
+                                      </p:cBhvr>
+                                      <p:to>
+                                        <p:strVal val="visible"/>
+                                      </p:to>
+                                    </p:set>
+                                    <p:animEffect transition="in" filter="fade">
+                                      <p:cBhvr>
+                                        <p:cTn id="7" dur="500"/>
+                                        <p:tgtEl>
+                                          <p:spTgt spid="3">
+                                            <p:txEl>
+                                              <p:pRg st="0" end="0"/>
+                                            </p:txEl>
+                                          </p:spTgt>
+                                        </p:tgtEl>
+                                      </p:cBhvr>
+                                    </p:animEffect>
+                                  </p:childTnLst>
+                                </p:cTn>
+                              </p:par>
+                            </p:childTnLst>
+                          </p:cTn>
+                        </p:par>
+                      </p:childTnLst>
+                    </p:cTn>
+                  </p:par>
+                  <p:par>
+                    <p:cTn id="8" fill="hold">
+                      <p:stCondLst>
+                        <p:cond delay="indefinite"/>
+                      </p:stCondLst>
+                      <p:childTnLst>
+                        <p:par>
+                          <p:cTn id="9" fill="hold">
+                            <p:stCondLst>
+                              <p:cond delay="0"/>
+                            </p:stCondLst>
+                            <p:childTnLst>
+                              <p:par>
+                                <p:cTn id="10" presetID="10" presetClass="entr" presetSubtype="0" fill="hold" grpId="0" nodeType="clickEffect">
+                                  <p:stCondLst>
+                                    <p:cond delay="0"/>
+                                  </p:stCondLst>
+                                  <p:childTnLst>
+                                    <p:set>
+                                      <p:cBhvr>
+                                        <p:cTn id="11" dur="1" fill="hold">
+                                          <p:stCondLst>
+                                            <p:cond delay="0"/>
+                                          </p:stCondLst>
+                                        </p:cTn>
+                                        <p:tgtEl>
+                                          <p:spTgt spid="3">
+                                            <p:txEl>
+                                              <p:pRg st="2" end="2"/>
+                                            </p:txEl>
+                                          </p:spTgt>
+                                        </p:tgtEl>
+                                        <p:attrNameLst>
+                                          <p:attrName>style.visibility</p:attrName>
+                                        </p:attrNameLst>
+                                      </p:cBhvr>
+                                      <p:to>
+                                        <p:strVal val="visible"/>
+                                      </p:to>
+                                    </p:set>
+                                    <p:animEffect transition="in" filter="fade">
+                                      <p:cBhvr>
+                                        <p:cTn id="12" dur="500"/>
+                                        <p:tgtEl>
+                                          <p:spTgt spid="3">
+                                            <p:txEl>
+                                              <p:pRg st="2" end="2"/>
+                                            </p:txEl>
+                                          </p:spTgt>
+                                        </p:tgtEl>
+                                      </p:cBhvr>
+                                    </p:animEffect>
+                                  </p:childTnLst>
+                                </p:cTn>
+                              </p:par>
+                            </p:childTnLst>
+                          </p:cTn>
+                        </p:par>
+                      </p:childTnLst>
+                    </p:cTn>
+                  </p:par>
+                  <p:par>
+                    <p:cTn id="13" fill="hold">
+                      <p:stCondLst>
+                        <p:cond delay="indefinite"/>
+                      </p:stCondLst>
+                      <p:childTnLst>
+                        <p:par>
+                          <p:cTn id="14" fill="hold">
+                            <p:stCondLst>
+                              <p:cond delay="0"/>
+                            </p:stCondLst>
+                            <p:childTnLst>
+                              <p:par>
+                                <p:cTn id="15" presetID="10" presetClass="entr" presetSubtype="0" fill="hold" grpId="0" nodeType="clickEffect">
+                                  <p:stCondLst>
+                                    <p:cond delay="0"/>
+                                  </p:stCondLst>
+                                  <p:childTnLst>
+                                    <p:set>
+                                      <p:cBhvr>
+                                        <p:cTn id="16" dur="1" fill="hold">
+                                          <p:stCondLst>
+                                            <p:cond delay="0"/>
+                                          </p:stCondLst>
+                                        </p:cTn>
+                                        <p:tgtEl>
+                                          <p:spTgt spid="3">
+                                            <p:txEl>
+                                              <p:pRg st="4" end="4"/>
+                                            </p:txEl>
+                                          </p:spTgt>
+                                        </p:tgtEl>
+                                        <p:attrNameLst>
+                                          <p:attrName>style.visibility</p:attrName>
+                                        </p:attrNameLst>
+                                      </p:cBhvr>
+                                      <p:to>
+                                        <p:strVal val="visible"/>
+                                      </p:to>
+                                    </p:set>
+                                    <p:animEffect transition="in" filter="fade">
+                                      <p:cBhvr>
+                                        <p:cTn id="17" dur="500"/>
+                                        <p:tgtEl>
+                                          <p:spTgt spid="3">
+                                            <p:txEl>
+                                              <p:pRg st="4" end="4"/>
+                                            </p:txEl>
+                                          </p:spTgt>
+                                        </p:tgtEl>
+                                      </p:cBhvr>
+                                    </p:animEffect>
+                                  </p:childTnLst>
+                                </p:cTn>
+                              </p:par>
+                            </p:childTnLst>
+                          </p:cTn>
+                        </p:par>
+                      </p:childTnLst>
+                    </p:cTn>
+                  </p:par>
+                  <p:par>
+                    <p:cTn id="18" fill="hold">
+                      <p:stCondLst>
+                        <p:cond delay="indefinite"/>
+                      </p:stCondLst>
+                      <p:childTnLst>
+                        <p:par>
+                          <p:cTn id="19" fill="hold">
+                            <p:stCondLst>
+                              <p:cond delay="0"/>
+                            </p:stCondLst>
+                            <p:childTnLst>
+                              <p:par>
+                                <p:cTn id="20" presetID="10" presetClass="entr" presetSubtype="0" fill="hold" grpId="0" nodeType="clickEffect">
+                                  <p:stCondLst>
+                                    <p:cond delay="0"/>
+                                  </p:stCondLst>
+                                  <p:childTnLst>
+                                    <p:set>
+                                      <p:cBhvr>
+                                        <p:cTn id="21" dur="1" fill="hold">
+                                          <p:stCondLst>
+                                            <p:cond delay="0"/>
+                                          </p:stCondLst>
+                                        </p:cTn>
+                                        <p:tgtEl>
+                                          <p:spTgt spid="3">
+                                            <p:txEl>
+                                              <p:pRg st="6" end="6"/>
+                                            </p:txEl>
+                                          </p:spTgt>
+                                        </p:tgtEl>
+                                        <p:attrNameLst>
+                                          <p:attrName>style.visibility</p:attrName>
+                                        </p:attrNameLst>
+                                      </p:cBhvr>
+                                      <p:to>
+                                        <p:strVal val="visible"/>
+                                      </p:to>
+                                    </p:set>
+                                    <p:animEffect transition="in" filter="fade">
+                                      <p:cBhvr>
+                                        <p:cTn id="22" dur="500"/>
+                                        <p:tgtEl>
+                                          <p:spTgt spid="3">
+                                            <p:txEl>
+                                              <p:pRg st="6" end="6"/>
+                                            </p:txEl>
+                                          </p:spTgt>
+                                        </p:tgtEl>
+                                      </p:cBhvr>
+                                    </p:animEffect>
+                                  </p:childTnLst>
+                                </p:cTn>
+                              </p:par>
+                            </p:childTnLst>
+                          </p:cTn>
+                        </p:par>
+                      </p:childTnLst>
+                    </p:cTn>
+                  </p:par>
+                  <p:par>
+                    <p:cTn id="23" fill="hold">
+                      <p:stCondLst>
+                        <p:cond delay="indefinite"/>
+                      </p:stCondLst>
+                      <p:childTnLst>
+                        <p:par>
+                          <p:cTn id="24" fill="hold">
+                            <p:stCondLst>
+                              <p:cond delay="0"/>
+                            </p:stCondLst>
+                            <p:childTnLst>
+                              <p:par>
+                                <p:cTn id="25" presetID="10" presetClass="entr" presetSubtype="0" fill="hold" grpId="0" nodeType="clickEffect">
+                                  <p:stCondLst>
+                                    <p:cond delay="0"/>
+                                  </p:stCondLst>
+                                  <p:childTnLst>
+                                    <p:set>
+                                      <p:cBhvr>
+                                        <p:cTn id="26" dur="1" fill="hold">
+                                          <p:stCondLst>
+                                            <p:cond delay="0"/>
+                                          </p:stCondLst>
+                                        </p:cTn>
+                                        <p:tgtEl>
+                                          <p:spTgt spid="3">
+                                            <p:txEl>
+                                              <p:pRg st="8" end="8"/>
+                                            </p:txEl>
+                                          </p:spTgt>
+                                        </p:tgtEl>
+                                        <p:attrNameLst>
+                                          <p:attrName>style.visibility</p:attrName>
+                                        </p:attrNameLst>
+                                      </p:cBhvr>
+                                      <p:to>
+                                        <p:strVal val="visible"/>
+                                      </p:to>
+                                    </p:set>
+                                    <p:animEffect transition="in" filter="fade">
+                                      <p:cBhvr>
+                                        <p:cTn id="27" dur="500"/>
+                                        <p:tgtEl>
+                                          <p:spTgt spid="3">
+                                            <p:txEl>
+                                              <p:pRg st="8" end="8"/>
+                                            </p:txEl>
+                                          </p:spTgt>
+                                        </p:tgtEl>
+                                      </p:cBhvr>
+                                    </p:animEffect>
+                                  </p:childTnLst>
+                                </p:cTn>
+                              </p:par>
+                            </p:childTnLst>
+                          </p:cTn>
+                        </p:par>
+                      </p:childTnLst>
+                    </p:cTn>
+                  </p:par>
+                </p:childTnLst>
+              </p:cTn>
+              <p:prevCondLst>
+                <p:cond evt="onPrev" delay="0">
+                  <p:tgtEl>
+                    <p:sldTgt/>
+                  </p:tgtEl>
+                </p:cond>
+              </p:prevCondLst>
+              <p:nextCondLst>
+                <p:cond evt="onNext" delay="0">
+                  <p:tgtEl>
+                    <p:sldTgt/>
+                  </p:tgtEl>
+                </p:cond>
+              </p:nextCondLst>
+            </p:seq>
+          </p:childTnLst>
+        </p:cTn>
+      </p:par>
+    </p:tnLst>
+    <p:bldLst>
+      <p:bldP spid="3" grpId="0" build="p"/>
+    </p:bldLst>
+  </p:timing>
+</p:sld>
+</file>
+
+<file path=ppt/slides/slide11.xml><?xml version="1.0" encoding="utf-8"?>
 <p:sld xmlns:a="http://schemas.openxmlformats.org/drawingml/2006/main" xmlns:r="http://schemas.openxmlformats.org/officeDocument/2006/relationships" xmlns:p="http://schemas.openxmlformats.org/presentationml/2006/main">
   <p:cSld>
     <p:spTree>
@@ -3919,7 +4404,7 @@
 </p:sld>
 </file>
 
-<file path=ppt/slides/slide11.xml><?xml version="1.0" encoding="utf-8"?>
+<file path=ppt/slides/slide12.xml><?xml version="1.0" encoding="utf-8"?>
 <p:sld xmlns:a="http://schemas.openxmlformats.org/drawingml/2006/main" xmlns:r="http://schemas.openxmlformats.org/officeDocument/2006/relationships" xmlns:p="http://schemas.openxmlformats.org/presentationml/2006/main">
   <p:cSld>
     <p:spTree>
@@ -7346,6 +7831,199 @@
 </file>
 
 <file path=ppt/slides/slide5.xml><?xml version="1.0" encoding="utf-8"?>
+<p:sld xmlns:a="http://schemas.openxmlformats.org/drawingml/2006/main" xmlns:r="http://schemas.openxmlformats.org/officeDocument/2006/relationships" xmlns:p="http://schemas.openxmlformats.org/presentationml/2006/main">
+  <p:cSld>
+    <p:spTree>
+      <p:nvGrpSpPr>
+        <p:cNvPr id="1" name=""/>
+        <p:cNvGrpSpPr/>
+        <p:nvPr/>
+      </p:nvGrpSpPr>
+      <p:grpSpPr>
+        <a:xfrm>
+          <a:off x="0" y="0"/>
+          <a:ext cx="0" cy="0"/>
+          <a:chOff x="0" y="0"/>
+          <a:chExt cx="0" cy="0"/>
+        </a:xfrm>
+      </p:grpSpPr>
+      <p:sp>
+        <p:nvSpPr>
+          <p:cNvPr id="2" name="Titel 1">
+            <a:extLst>
+              <a:ext uri="{FF2B5EF4-FFF2-40B4-BE49-F238E27FC236}">
+                <a16:creationId xmlns:a16="http://schemas.microsoft.com/office/drawing/2014/main" id="{65BD9054-650C-34FC-1F0B-71687ECD73AB}"/>
+              </a:ext>
+            </a:extLst>
+          </p:cNvPr>
+          <p:cNvSpPr>
+            <a:spLocks noGrp="1"/>
+          </p:cNvSpPr>
+          <p:nvPr>
+            <p:ph type="title"/>
+          </p:nvPr>
+        </p:nvSpPr>
+        <p:spPr/>
+        <p:txBody>
+          <a:bodyPr/>
+          <a:lstStyle/>
+          <a:p>
+            <a:endParaRPr lang="de-DE"/>
+          </a:p>
+        </p:txBody>
+      </p:sp>
+      <p:sp>
+        <p:nvSpPr>
+          <p:cNvPr id="3" name="Inhaltsplatzhalter 2">
+            <a:extLst>
+              <a:ext uri="{FF2B5EF4-FFF2-40B4-BE49-F238E27FC236}">
+                <a16:creationId xmlns:a16="http://schemas.microsoft.com/office/drawing/2014/main" id="{C2C2A7C2-0C8C-D320-C852-7E39CF95BCA5}"/>
+              </a:ext>
+            </a:extLst>
+          </p:cNvPr>
+          <p:cNvSpPr>
+            <a:spLocks noGrp="1"/>
+          </p:cNvSpPr>
+          <p:nvPr>
+            <p:ph idx="1"/>
+          </p:nvPr>
+        </p:nvSpPr>
+        <p:spPr/>
+        <p:txBody>
+          <a:bodyPr/>
+          <a:lstStyle/>
+          <a:p>
+            <a:endParaRPr lang="de-DE"/>
+          </a:p>
+        </p:txBody>
+      </p:sp>
+      <p:pic>
+        <p:nvPicPr>
+          <p:cNvPr id="7" name="Grafik 6">
+            <a:extLst>
+              <a:ext uri="{FF2B5EF4-FFF2-40B4-BE49-F238E27FC236}">
+                <a16:creationId xmlns:a16="http://schemas.microsoft.com/office/drawing/2014/main" id="{7FF5C1FA-AF17-37DB-FE49-2B9717DDA8C0}"/>
+              </a:ext>
+            </a:extLst>
+          </p:cNvPr>
+          <p:cNvPicPr>
+            <a:picLocks noChangeAspect="1"/>
+          </p:cNvPicPr>
+          <p:nvPr/>
+        </p:nvPicPr>
+        <p:blipFill>
+          <a:blip r:embed="rId2"/>
+          <a:stretch>
+            <a:fillRect/>
+          </a:stretch>
+        </p:blipFill>
+        <p:spPr>
+          <a:xfrm>
+            <a:off x="1548443" y="213666"/>
+            <a:ext cx="9539885" cy="6430668"/>
+          </a:xfrm>
+          <a:prstGeom prst="rect">
+            <a:avLst/>
+          </a:prstGeom>
+        </p:spPr>
+      </p:pic>
+    </p:spTree>
+    <p:extLst>
+      <p:ext uri="{BB962C8B-B14F-4D97-AF65-F5344CB8AC3E}">
+        <p14:creationId xmlns:p14="http://schemas.microsoft.com/office/powerpoint/2010/main" val="2166741915"/>
+      </p:ext>
+    </p:extLst>
+  </p:cSld>
+  <p:clrMapOvr>
+    <a:masterClrMapping/>
+  </p:clrMapOvr>
+  <p:timing>
+    <p:tnLst>
+      <p:par>
+        <p:cTn id="1" dur="indefinite" restart="never" nodeType="tmRoot">
+          <p:childTnLst>
+            <p:seq concurrent="1" nextAc="seek">
+              <p:cTn id="2" dur="indefinite" nodeType="mainSeq">
+                <p:childTnLst>
+                  <p:par>
+                    <p:cTn id="3" fill="hold">
+                      <p:stCondLst>
+                        <p:cond delay="indefinite"/>
+                      </p:stCondLst>
+                      <p:childTnLst>
+                        <p:par>
+                          <p:cTn id="4" fill="hold">
+                            <p:stCondLst>
+                              <p:cond delay="0"/>
+                            </p:stCondLst>
+                            <p:childTnLst>
+                              <p:par>
+                                <p:cTn id="5" presetID="10" presetClass="entr" presetSubtype="0" fill="hold" nodeType="clickEffect">
+                                  <p:stCondLst>
+                                    <p:cond delay="0"/>
+                                  </p:stCondLst>
+                                  <p:childTnLst>
+                                    <p:set>
+                                      <p:cBhvr>
+                                        <p:cTn id="6" dur="1" fill="hold">
+                                          <p:stCondLst>
+                                            <p:cond delay="0"/>
+                                          </p:stCondLst>
+                                        </p:cTn>
+                                        <p:tgtEl>
+                                          <p:spTgt spid="7"/>
+                                        </p:tgtEl>
+                                        <p:attrNameLst>
+                                          <p:attrName>style.visibility</p:attrName>
+                                        </p:attrNameLst>
+                                      </p:cBhvr>
+                                      <p:to>
+                                        <p:strVal val="visible"/>
+                                      </p:to>
+                                    </p:set>
+                                    <p:animEffect transition="in" filter="fade">
+                                      <p:cBhvr>
+                                        <p:cTn id="7" dur="500"/>
+                                        <p:tgtEl>
+                                          <p:spTgt spid="7"/>
+                                        </p:tgtEl>
+                                      </p:cBhvr>
+                                    </p:animEffect>
+                                  </p:childTnLst>
+                                </p:cTn>
+                              </p:par>
+                            </p:childTnLst>
+                          </p:cTn>
+                        </p:par>
+                      </p:childTnLst>
+                    </p:cTn>
+                  </p:par>
+                </p:childTnLst>
+              </p:cTn>
+              <p:prevCondLst>
+                <p:cond evt="onPrev" delay="0">
+                  <p:tgtEl>
+                    <p:sldTgt/>
+                  </p:tgtEl>
+                </p:cond>
+              </p:prevCondLst>
+              <p:nextCondLst>
+                <p:cond evt="onNext" delay="0">
+                  <p:tgtEl>
+                    <p:sldTgt/>
+                  </p:tgtEl>
+                </p:cond>
+              </p:nextCondLst>
+            </p:seq>
+          </p:childTnLst>
+        </p:cTn>
+      </p:par>
+    </p:tnLst>
+  </p:timing>
+</p:sld>
+</file>
+
+<file path=ppt/slides/slide6.xml><?xml version="1.0" encoding="utf-8"?>
 <p:sld xmlns:a="http://schemas.openxmlformats.org/drawingml/2006/main" xmlns:r="http://schemas.openxmlformats.org/officeDocument/2006/relationships" xmlns:p="http://schemas.openxmlformats.org/presentationml/2006/main">
   <p:cSld>
     <p:spTree>
@@ -11590,7 +12268,7 @@
 </p:sld>
 </file>
 
-<file path=ppt/slides/slide6.xml><?xml version="1.0" encoding="utf-8"?>
+<file path=ppt/slides/slide7.xml><?xml version="1.0" encoding="utf-8"?>
 <p:sld xmlns:a="http://schemas.openxmlformats.org/drawingml/2006/main" xmlns:r="http://schemas.openxmlformats.org/officeDocument/2006/relationships" xmlns:p="http://schemas.openxmlformats.org/presentationml/2006/main">
   <p:cSld>
     <p:spTree>
@@ -11987,65 +12665,6 @@
 </p:sld>
 </file>
 
-<file path=ppt/slides/slide7.xml><?xml version="1.0" encoding="utf-8"?>
-<p:sld xmlns:a="http://schemas.openxmlformats.org/drawingml/2006/main" xmlns:r="http://schemas.openxmlformats.org/officeDocument/2006/relationships" xmlns:p="http://schemas.openxmlformats.org/presentationml/2006/main">
-  <p:cSld>
-    <p:spTree>
-      <p:nvGrpSpPr>
-        <p:cNvPr id="1" name=""/>
-        <p:cNvGrpSpPr/>
-        <p:nvPr/>
-      </p:nvGrpSpPr>
-      <p:grpSpPr>
-        <a:xfrm>
-          <a:off x="0" y="0"/>
-          <a:ext cx="0" cy="0"/>
-          <a:chOff x="0" y="0"/>
-          <a:chExt cx="0" cy="0"/>
-        </a:xfrm>
-      </p:grpSpPr>
-      <p:sp>
-        <p:nvSpPr>
-          <p:cNvPr id="2" name="Titel 1">
-            <a:extLst>
-              <a:ext uri="{FF2B5EF4-FFF2-40B4-BE49-F238E27FC236}">
-                <a16:creationId xmlns:a16="http://schemas.microsoft.com/office/drawing/2014/main" id="{91A9A188-7E7B-25AD-68C9-E60C4111C488}"/>
-              </a:ext>
-            </a:extLst>
-          </p:cNvPr>
-          <p:cNvSpPr>
-            <a:spLocks noGrp="1"/>
-          </p:cNvSpPr>
-          <p:nvPr>
-            <p:ph type="title"/>
-          </p:nvPr>
-        </p:nvSpPr>
-        <p:spPr/>
-        <p:txBody>
-          <a:bodyPr/>
-          <a:lstStyle/>
-          <a:p>
-            <a:pPr algn="ctr"/>
-            <a:r>
-              <a:rPr lang="de-DE" dirty="0"/>
-              <a:t>Programmvorstellung</a:t>
-            </a:r>
-          </a:p>
-        </p:txBody>
-      </p:sp>
-    </p:spTree>
-    <p:extLst>
-      <p:ext uri="{BB962C8B-B14F-4D97-AF65-F5344CB8AC3E}">
-        <p14:creationId xmlns:p14="http://schemas.microsoft.com/office/powerpoint/2010/main" val="2345368440"/>
-      </p:ext>
-    </p:extLst>
-  </p:cSld>
-  <p:clrMapOvr>
-    <a:masterClrMapping/>
-  </p:clrMapOvr>
-</p:sld>
-</file>
-
 <file path=ppt/slides/slide8.xml><?xml version="1.0" encoding="utf-8"?>
 <p:sld xmlns:a="http://schemas.openxmlformats.org/drawingml/2006/main" xmlns:r="http://schemas.openxmlformats.org/officeDocument/2006/relationships" xmlns:p="http://schemas.openxmlformats.org/presentationml/2006/main">
   <p:cSld>
@@ -12068,7 +12687,7 @@
           <p:cNvPr id="2" name="Titel 1">
             <a:extLst>
               <a:ext uri="{FF2B5EF4-FFF2-40B4-BE49-F238E27FC236}">
-                <a16:creationId xmlns:a16="http://schemas.microsoft.com/office/drawing/2014/main" id="{72DD5949-DBEF-06D6-131F-71210ACDD7A0}"/>
+                <a16:creationId xmlns:a16="http://schemas.microsoft.com/office/drawing/2014/main" id="{91A9A188-7E7B-25AD-68C9-E60C4111C488}"/>
               </a:ext>
             </a:extLst>
           </p:cNvPr>
@@ -12087,40 +12706,15 @@
             <a:pPr algn="ctr"/>
             <a:r>
               <a:rPr lang="de-DE" dirty="0"/>
-              <a:t>Der Code</a:t>
+              <a:t>Programmvorstellung</a:t>
             </a:r>
-          </a:p>
-        </p:txBody>
-      </p:sp>
-      <p:sp>
-        <p:nvSpPr>
-          <p:cNvPr id="3" name="Inhaltsplatzhalter 2">
-            <a:extLst>
-              <a:ext uri="{FF2B5EF4-FFF2-40B4-BE49-F238E27FC236}">
-                <a16:creationId xmlns:a16="http://schemas.microsoft.com/office/drawing/2014/main" id="{4A52F948-9394-B3F0-BB7E-9A5E6B11719F}"/>
-              </a:ext>
-            </a:extLst>
-          </p:cNvPr>
-          <p:cNvSpPr>
-            <a:spLocks noGrp="1"/>
-          </p:cNvSpPr>
-          <p:nvPr>
-            <p:ph idx="1"/>
-          </p:nvPr>
-        </p:nvSpPr>
-        <p:spPr/>
-        <p:txBody>
-          <a:bodyPr/>
-          <a:lstStyle/>
-          <a:p>
-            <a:endParaRPr lang="de-DE"/>
           </a:p>
         </p:txBody>
       </p:sp>
     </p:spTree>
     <p:extLst>
       <p:ext uri="{BB962C8B-B14F-4D97-AF65-F5344CB8AC3E}">
-        <p14:creationId xmlns:p14="http://schemas.microsoft.com/office/powerpoint/2010/main" val="2245428649"/>
+        <p14:creationId xmlns:p14="http://schemas.microsoft.com/office/powerpoint/2010/main" val="2345368440"/>
       </p:ext>
     </p:extLst>
   </p:cSld>
@@ -12152,7 +12746,7 @@
           <p:cNvPr id="2" name="Titel 1">
             <a:extLst>
               <a:ext uri="{FF2B5EF4-FFF2-40B4-BE49-F238E27FC236}">
-                <a16:creationId xmlns:a16="http://schemas.microsoft.com/office/drawing/2014/main" id="{636AF43D-66EB-EF61-3A62-EA00537EFAD7}"/>
+                <a16:creationId xmlns:a16="http://schemas.microsoft.com/office/drawing/2014/main" id="{72DD5949-DBEF-06D6-131F-71210ACDD7A0}"/>
               </a:ext>
             </a:extLst>
           </p:cNvPr>
@@ -12171,7 +12765,7 @@
             <a:pPr algn="ctr"/>
             <a:r>
               <a:rPr lang="de-DE" dirty="0"/>
-              <a:t>Fazit</a:t>
+              <a:t>Der Code</a:t>
             </a:r>
           </a:p>
         </p:txBody>
@@ -12181,7 +12775,7 @@
           <p:cNvPr id="3" name="Inhaltsplatzhalter 2">
             <a:extLst>
               <a:ext uri="{FF2B5EF4-FFF2-40B4-BE49-F238E27FC236}">
-                <a16:creationId xmlns:a16="http://schemas.microsoft.com/office/drawing/2014/main" id="{884FE433-C78A-490E-2644-80B24B2158DB}"/>
+                <a16:creationId xmlns:a16="http://schemas.microsoft.com/office/drawing/2014/main" id="{4A52F948-9394-B3F0-BB7E-9A5E6B11719F}"/>
               </a:ext>
             </a:extLst>
           </p:cNvPr>
@@ -12194,423 +12788,23 @@
         </p:nvSpPr>
         <p:spPr/>
         <p:txBody>
-          <a:bodyPr>
-            <a:normAutofit lnSpcReduction="10000"/>
-          </a:bodyPr>
+          <a:bodyPr/>
           <a:lstStyle/>
           <a:p>
-            <a:r>
-              <a:rPr lang="de-DE" dirty="0"/>
-              <a:t>Innerhalb von x Stunden folgende Ziele erreicht:</a:t>
-            </a:r>
-          </a:p>
-          <a:p>
-            <a:endParaRPr lang="de-DE" dirty="0"/>
-          </a:p>
-          <a:p>
-            <a:r>
-              <a:rPr lang="de-DE" dirty="0"/>
-              <a:t>A, B, C, D</a:t>
-            </a:r>
-          </a:p>
-          <a:p>
-            <a:endParaRPr lang="de-DE" dirty="0"/>
-          </a:p>
-          <a:p>
-            <a:r>
-              <a:rPr lang="de-DE" dirty="0"/>
-              <a:t>Folgende Probleme gehabt</a:t>
-            </a:r>
-          </a:p>
-          <a:p>
-            <a:endParaRPr lang="de-DE" dirty="0"/>
-          </a:p>
-          <a:p>
-            <a:r>
-              <a:rPr lang="de-DE" dirty="0"/>
-              <a:t>A,B, C, D</a:t>
-            </a:r>
-          </a:p>
-          <a:p>
-            <a:endParaRPr lang="de-DE" dirty="0"/>
-          </a:p>
-          <a:p>
-            <a:r>
-              <a:rPr lang="de-DE" dirty="0" err="1"/>
-              <a:t>Has</a:t>
-            </a:r>
-            <a:r>
-              <a:rPr lang="de-DE" dirty="0"/>
-              <a:t>(s)</a:t>
-            </a:r>
-            <a:r>
-              <a:rPr lang="de-DE" dirty="0" err="1"/>
-              <a:t>kell</a:t>
-            </a:r>
-            <a:r>
-              <a:rPr lang="de-DE" dirty="0"/>
-              <a:t> als Programmiersprache?!</a:t>
-            </a:r>
-          </a:p>
-          <a:p>
-            <a:pPr marL="0" indent="0">
-              <a:buNone/>
-            </a:pPr>
-            <a:endParaRPr lang="de-DE" dirty="0"/>
-          </a:p>
-          <a:p>
-            <a:endParaRPr lang="de-DE" dirty="0"/>
+            <a:endParaRPr lang="de-DE"/>
           </a:p>
         </p:txBody>
       </p:sp>
     </p:spTree>
     <p:extLst>
       <p:ext uri="{BB962C8B-B14F-4D97-AF65-F5344CB8AC3E}">
-        <p14:creationId xmlns:p14="http://schemas.microsoft.com/office/powerpoint/2010/main" val="609048910"/>
+        <p14:creationId xmlns:p14="http://schemas.microsoft.com/office/powerpoint/2010/main" val="2245428649"/>
       </p:ext>
     </p:extLst>
   </p:cSld>
   <p:clrMapOvr>
     <a:masterClrMapping/>
   </p:clrMapOvr>
-  <p:timing>
-    <p:tnLst>
-      <p:par>
-        <p:cTn id="1" dur="indefinite" restart="never" nodeType="tmRoot">
-          <p:childTnLst>
-            <p:seq concurrent="1" nextAc="seek">
-              <p:cTn id="2" dur="indefinite" nodeType="mainSeq">
-                <p:childTnLst>
-                  <p:par>
-                    <p:cTn id="3" fill="hold">
-                      <p:stCondLst>
-                        <p:cond delay="indefinite"/>
-                      </p:stCondLst>
-                      <p:childTnLst>
-                        <p:par>
-                          <p:cTn id="4" fill="hold">
-                            <p:stCondLst>
-                              <p:cond delay="0"/>
-                            </p:stCondLst>
-                            <p:childTnLst>
-                              <p:par>
-                                <p:cTn id="5" presetID="10" presetClass="entr" presetSubtype="0" fill="hold" grpId="0" nodeType="clickEffect">
-                                  <p:stCondLst>
-                                    <p:cond delay="0"/>
-                                  </p:stCondLst>
-                                  <p:childTnLst>
-                                    <p:set>
-                                      <p:cBhvr>
-                                        <p:cTn id="6" dur="1" fill="hold">
-                                          <p:stCondLst>
-                                            <p:cond delay="0"/>
-                                          </p:stCondLst>
-                                        </p:cTn>
-                                        <p:tgtEl>
-                                          <p:spTgt spid="3">
-                                            <p:txEl>
-                                              <p:pRg st="0" end="0"/>
-                                            </p:txEl>
-                                          </p:spTgt>
-                                        </p:tgtEl>
-                                        <p:attrNameLst>
-                                          <p:attrName>style.visibility</p:attrName>
-                                        </p:attrNameLst>
-                                      </p:cBhvr>
-                                      <p:to>
-                                        <p:strVal val="visible"/>
-                                      </p:to>
-                                    </p:set>
-                                    <p:animEffect transition="in" filter="fade">
-                                      <p:cBhvr>
-                                        <p:cTn id="7" dur="500"/>
-                                        <p:tgtEl>
-                                          <p:spTgt spid="3">
-                                            <p:txEl>
-                                              <p:pRg st="0" end="0"/>
-                                            </p:txEl>
-                                          </p:spTgt>
-                                        </p:tgtEl>
-                                      </p:cBhvr>
-                                    </p:animEffect>
-                                  </p:childTnLst>
-                                </p:cTn>
-                              </p:par>
-                            </p:childTnLst>
-                          </p:cTn>
-                        </p:par>
-                      </p:childTnLst>
-                    </p:cTn>
-                  </p:par>
-                  <p:par>
-                    <p:cTn id="8" fill="hold">
-                      <p:stCondLst>
-                        <p:cond delay="indefinite"/>
-                      </p:stCondLst>
-                      <p:childTnLst>
-                        <p:par>
-                          <p:cTn id="9" fill="hold">
-                            <p:stCondLst>
-                              <p:cond delay="0"/>
-                            </p:stCondLst>
-                            <p:childTnLst>
-                              <p:par>
-                                <p:cTn id="10" presetID="10" presetClass="entr" presetSubtype="0" fill="hold" grpId="0" nodeType="clickEffect">
-                                  <p:stCondLst>
-                                    <p:cond delay="0"/>
-                                  </p:stCondLst>
-                                  <p:childTnLst>
-                                    <p:set>
-                                      <p:cBhvr>
-                                        <p:cTn id="11" dur="1" fill="hold">
-                                          <p:stCondLst>
-                                            <p:cond delay="0"/>
-                                          </p:stCondLst>
-                                        </p:cTn>
-                                        <p:tgtEl>
-                                          <p:spTgt spid="3">
-                                            <p:txEl>
-                                              <p:pRg st="2" end="2"/>
-                                            </p:txEl>
-                                          </p:spTgt>
-                                        </p:tgtEl>
-                                        <p:attrNameLst>
-                                          <p:attrName>style.visibility</p:attrName>
-                                        </p:attrNameLst>
-                                      </p:cBhvr>
-                                      <p:to>
-                                        <p:strVal val="visible"/>
-                                      </p:to>
-                                    </p:set>
-                                    <p:animEffect transition="in" filter="fade">
-                                      <p:cBhvr>
-                                        <p:cTn id="12" dur="500"/>
-                                        <p:tgtEl>
-                                          <p:spTgt spid="3">
-                                            <p:txEl>
-                                              <p:pRg st="2" end="2"/>
-                                            </p:txEl>
-                                          </p:spTgt>
-                                        </p:tgtEl>
-                                      </p:cBhvr>
-                                    </p:animEffect>
-                                  </p:childTnLst>
-                                </p:cTn>
-                              </p:par>
-                            </p:childTnLst>
-                          </p:cTn>
-                        </p:par>
-                      </p:childTnLst>
-                    </p:cTn>
-                  </p:par>
-                  <p:par>
-                    <p:cTn id="13" fill="hold">
-                      <p:stCondLst>
-                        <p:cond delay="indefinite"/>
-                      </p:stCondLst>
-                      <p:childTnLst>
-                        <p:par>
-                          <p:cTn id="14" fill="hold">
-                            <p:stCondLst>
-                              <p:cond delay="0"/>
-                            </p:stCondLst>
-                            <p:childTnLst>
-                              <p:par>
-                                <p:cTn id="15" presetID="10" presetClass="entr" presetSubtype="0" fill="hold" grpId="0" nodeType="clickEffect">
-                                  <p:stCondLst>
-                                    <p:cond delay="0"/>
-                                  </p:stCondLst>
-                                  <p:childTnLst>
-                                    <p:set>
-                                      <p:cBhvr>
-                                        <p:cTn id="16" dur="1" fill="hold">
-                                          <p:stCondLst>
-                                            <p:cond delay="0"/>
-                                          </p:stCondLst>
-                                        </p:cTn>
-                                        <p:tgtEl>
-                                          <p:spTgt spid="3">
-                                            <p:txEl>
-                                              <p:pRg st="4" end="4"/>
-                                            </p:txEl>
-                                          </p:spTgt>
-                                        </p:tgtEl>
-                                        <p:attrNameLst>
-                                          <p:attrName>style.visibility</p:attrName>
-                                        </p:attrNameLst>
-                                      </p:cBhvr>
-                                      <p:to>
-                                        <p:strVal val="visible"/>
-                                      </p:to>
-                                    </p:set>
-                                    <p:animEffect transition="in" filter="fade">
-                                      <p:cBhvr>
-                                        <p:cTn id="17" dur="500"/>
-                                        <p:tgtEl>
-                                          <p:spTgt spid="3">
-                                            <p:txEl>
-                                              <p:pRg st="4" end="4"/>
-                                            </p:txEl>
-                                          </p:spTgt>
-                                        </p:tgtEl>
-                                      </p:cBhvr>
-                                    </p:animEffect>
-                                  </p:childTnLst>
-                                </p:cTn>
-                              </p:par>
-                            </p:childTnLst>
-                          </p:cTn>
-                        </p:par>
-                      </p:childTnLst>
-                    </p:cTn>
-                  </p:par>
-                  <p:par>
-                    <p:cTn id="18" fill="hold">
-                      <p:stCondLst>
-                        <p:cond delay="indefinite"/>
-                      </p:stCondLst>
-                      <p:childTnLst>
-                        <p:par>
-                          <p:cTn id="19" fill="hold">
-                            <p:stCondLst>
-                              <p:cond delay="0"/>
-                            </p:stCondLst>
-                            <p:childTnLst>
-                              <p:par>
-                                <p:cTn id="20" presetID="10" presetClass="entr" presetSubtype="0" fill="hold" grpId="0" nodeType="clickEffect">
-                                  <p:stCondLst>
-                                    <p:cond delay="0"/>
-                                  </p:stCondLst>
-                                  <p:childTnLst>
-                                    <p:set>
-                                      <p:cBhvr>
-                                        <p:cTn id="21" dur="1" fill="hold">
-                                          <p:stCondLst>
-                                            <p:cond delay="0"/>
-                                          </p:stCondLst>
-                                        </p:cTn>
-                                        <p:tgtEl>
-                                          <p:spTgt spid="3">
-                                            <p:txEl>
-                                              <p:pRg st="6" end="6"/>
-                                            </p:txEl>
-                                          </p:spTgt>
-                                        </p:tgtEl>
-                                        <p:attrNameLst>
-                                          <p:attrName>style.visibility</p:attrName>
-                                        </p:attrNameLst>
-                                      </p:cBhvr>
-                                      <p:to>
-                                        <p:strVal val="visible"/>
-                                      </p:to>
-                                    </p:set>
-                                    <p:animEffect transition="in" filter="fade">
-                                      <p:cBhvr>
-                                        <p:cTn id="22" dur="500"/>
-                                        <p:tgtEl>
-                                          <p:spTgt spid="3">
-                                            <p:txEl>
-                                              <p:pRg st="6" end="6"/>
-                                            </p:txEl>
-                                          </p:spTgt>
-                                        </p:tgtEl>
-                                      </p:cBhvr>
-                                    </p:animEffect>
-                                  </p:childTnLst>
-                                </p:cTn>
-                              </p:par>
-                            </p:childTnLst>
-                          </p:cTn>
-                        </p:par>
-                      </p:childTnLst>
-                    </p:cTn>
-                  </p:par>
-                  <p:par>
-                    <p:cTn id="23" fill="hold">
-                      <p:stCondLst>
-                        <p:cond delay="indefinite"/>
-                      </p:stCondLst>
-                      <p:childTnLst>
-                        <p:par>
-                          <p:cTn id="24" fill="hold">
-                            <p:stCondLst>
-                              <p:cond delay="0"/>
-                            </p:stCondLst>
-                            <p:childTnLst>
-                              <p:par>
-                                <p:cTn id="25" presetID="10" presetClass="entr" presetSubtype="0" fill="hold" grpId="0" nodeType="clickEffect">
-                                  <p:stCondLst>
-                                    <p:cond delay="0"/>
-                                  </p:stCondLst>
-                                  <p:childTnLst>
-                                    <p:set>
-                                      <p:cBhvr>
-                                        <p:cTn id="26" dur="1" fill="hold">
-                                          <p:stCondLst>
-                                            <p:cond delay="0"/>
-                                          </p:stCondLst>
-                                        </p:cTn>
-                                        <p:tgtEl>
-                                          <p:spTgt spid="3">
-                                            <p:txEl>
-                                              <p:pRg st="8" end="8"/>
-                                            </p:txEl>
-                                          </p:spTgt>
-                                        </p:tgtEl>
-                                        <p:attrNameLst>
-                                          <p:attrName>style.visibility</p:attrName>
-                                        </p:attrNameLst>
-                                      </p:cBhvr>
-                                      <p:to>
-                                        <p:strVal val="visible"/>
-                                      </p:to>
-                                    </p:set>
-                                    <p:animEffect transition="in" filter="fade">
-                                      <p:cBhvr>
-                                        <p:cTn id="27" dur="500"/>
-                                        <p:tgtEl>
-                                          <p:spTgt spid="3">
-                                            <p:txEl>
-                                              <p:pRg st="8" end="8"/>
-                                            </p:txEl>
-                                          </p:spTgt>
-                                        </p:tgtEl>
-                                      </p:cBhvr>
-                                    </p:animEffect>
-                                  </p:childTnLst>
-                                </p:cTn>
-                              </p:par>
-                            </p:childTnLst>
-                          </p:cTn>
-                        </p:par>
-                      </p:childTnLst>
-                    </p:cTn>
-                  </p:par>
-                </p:childTnLst>
-              </p:cTn>
-              <p:prevCondLst>
-                <p:cond evt="onPrev" delay="0">
-                  <p:tgtEl>
-                    <p:sldTgt/>
-                  </p:tgtEl>
-                </p:cond>
-              </p:prevCondLst>
-              <p:nextCondLst>
-                <p:cond evt="onNext" delay="0">
-                  <p:tgtEl>
-                    <p:sldTgt/>
-                  </p:tgtEl>
-                </p:cond>
-              </p:nextCondLst>
-            </p:seq>
-          </p:childTnLst>
-        </p:cTn>
-      </p:par>
-    </p:tnLst>
-    <p:bldLst>
-      <p:bldP spid="3" grpId="0" build="p"/>
-    </p:bldLst>
-  </p:timing>
 </p:sld>
 </file>
 

--- a/Präsentation/SuperSort.pptx
+++ b/Präsentation/SuperSort.pptx
@@ -7251,9 +7251,6 @@
                     <p:cTn id="3" fill="hold">
                       <p:stCondLst>
                         <p:cond delay="indefinite"/>
-                        <p:cond evt="onBegin" delay="0">
-                          <p:tn val="2"/>
-                        </p:cond>
                       </p:stCondLst>
                       <p:childTnLst>
                         <p:par>
@@ -7263,7 +7260,7 @@
                             </p:stCondLst>
                             <p:childTnLst>
                               <p:par>
-                                <p:cTn id="5" presetID="42" presetClass="path" presetSubtype="0" accel="50000" decel="50000" fill="hold" nodeType="withEffect">
+                                <p:cTn id="5" presetID="42" presetClass="path" presetSubtype="0" accel="50000" decel="50000" fill="hold" nodeType="clickEffect">
                                   <p:stCondLst>
                                     <p:cond delay="0"/>
                                   </p:stCondLst>

--- a/Präsentation/SuperSort.pptx
+++ b/Präsentation/SuperSort.pptx
@@ -7844,56 +7844,6 @@
           <a:chExt cx="0" cy="0"/>
         </a:xfrm>
       </p:grpSpPr>
-      <p:sp>
-        <p:nvSpPr>
-          <p:cNvPr id="2" name="Titel 1">
-            <a:extLst>
-              <a:ext uri="{FF2B5EF4-FFF2-40B4-BE49-F238E27FC236}">
-                <a16:creationId xmlns:a16="http://schemas.microsoft.com/office/drawing/2014/main" id="{65BD9054-650C-34FC-1F0B-71687ECD73AB}"/>
-              </a:ext>
-            </a:extLst>
-          </p:cNvPr>
-          <p:cNvSpPr>
-            <a:spLocks noGrp="1"/>
-          </p:cNvSpPr>
-          <p:nvPr>
-            <p:ph type="title"/>
-          </p:nvPr>
-        </p:nvSpPr>
-        <p:spPr/>
-        <p:txBody>
-          <a:bodyPr/>
-          <a:lstStyle/>
-          <a:p>
-            <a:endParaRPr lang="de-DE"/>
-          </a:p>
-        </p:txBody>
-      </p:sp>
-      <p:sp>
-        <p:nvSpPr>
-          <p:cNvPr id="3" name="Inhaltsplatzhalter 2">
-            <a:extLst>
-              <a:ext uri="{FF2B5EF4-FFF2-40B4-BE49-F238E27FC236}">
-                <a16:creationId xmlns:a16="http://schemas.microsoft.com/office/drawing/2014/main" id="{C2C2A7C2-0C8C-D320-C852-7E39CF95BCA5}"/>
-              </a:ext>
-            </a:extLst>
-          </p:cNvPr>
-          <p:cNvSpPr>
-            <a:spLocks noGrp="1"/>
-          </p:cNvSpPr>
-          <p:nvPr>
-            <p:ph idx="1"/>
-          </p:nvPr>
-        </p:nvSpPr>
-        <p:spPr/>
-        <p:txBody>
-          <a:bodyPr/>
-          <a:lstStyle/>
-          <a:p>
-            <a:endParaRPr lang="de-DE"/>
-          </a:p>
-        </p:txBody>
-      </p:sp>
       <p:pic>
         <p:nvPicPr>
           <p:cNvPr id="7" name="Grafik 6">
